--- a/11.모던 웹 애플리케이션 개발1/모던 웹 애플리케이션 개발1_길은섭.pptx
+++ b/11.모던 웹 애플리케이션 개발1/모던 웹 애플리케이션 개발1_길은섭.pptx
@@ -13255,7 +13255,7 @@
               <a:t>개발</a:t>
             </a:r>
             <a:r>
-              <a:rPr lang="en-US" altLang="ko-KR" sz="3500" b="1" dirty="0" smtClean="0">
+              <a:rPr lang="en-US" altLang="ko-KR" sz="3500" b="1" dirty="0">
                 <a:solidFill>
                   <a:schemeClr val="accent1">
                     <a:lumMod val="40000"/>
@@ -13263,7 +13263,7 @@
                   </a:schemeClr>
                 </a:solidFill>
               </a:rPr>
-              <a:t>2</a:t>
+              <a:t>1</a:t>
             </a:r>
             <a:endParaRPr lang="ko-KR" altLang="en-US" sz="3500" b="1" dirty="0">
               <a:solidFill>
@@ -13684,18 +13684,7 @@
                   </a:schemeClr>
                 </a:solidFill>
               </a:rPr>
-              <a:t>대충 </a:t>
-            </a:r>
-            <a:r>
-              <a:rPr lang="ko-KR" altLang="en-US" sz="3500" b="1" dirty="0" smtClean="0">
-                <a:solidFill>
-                  <a:schemeClr val="accent1">
-                    <a:lumMod val="40000"/>
-                    <a:lumOff val="60000"/>
-                  </a:schemeClr>
-                </a:solidFill>
-              </a:rPr>
-              <a:t>올림 나중 수정</a:t>
+              <a:t>대충 올림 나중 수정</a:t>
             </a:r>
             <a:endParaRPr lang="ko-KR" altLang="en-US" sz="3500" b="1" dirty="0">
               <a:solidFill>

--- a/11.모던 웹 애플리케이션 개발1/모던 웹 애플리케이션 개발1_길은섭.pptx
+++ b/11.모던 웹 애플리케이션 개발1/모던 웹 애플리케이션 개발1_길은섭.pptx
@@ -6,14 +6,19 @@
   </p:sldMasterIdLst>
   <p:sldIdLst>
     <p:sldId id="256" r:id="rId2"/>
-    <p:sldId id="286" r:id="rId3"/>
-    <p:sldId id="257" r:id="rId4"/>
-    <p:sldId id="258" r:id="rId5"/>
-    <p:sldId id="282" r:id="rId6"/>
-    <p:sldId id="283" r:id="rId7"/>
-    <p:sldId id="284" r:id="rId8"/>
-    <p:sldId id="285" r:id="rId9"/>
-    <p:sldId id="263" r:id="rId10"/>
+    <p:sldId id="257" r:id="rId3"/>
+    <p:sldId id="258" r:id="rId4"/>
+    <p:sldId id="286" r:id="rId5"/>
+    <p:sldId id="287" r:id="rId6"/>
+    <p:sldId id="288" r:id="rId7"/>
+    <p:sldId id="289" r:id="rId8"/>
+    <p:sldId id="290" r:id="rId9"/>
+    <p:sldId id="291" r:id="rId10"/>
+    <p:sldId id="292" r:id="rId11"/>
+    <p:sldId id="294" r:id="rId12"/>
+    <p:sldId id="295" r:id="rId13"/>
+    <p:sldId id="296" r:id="rId14"/>
+    <p:sldId id="263" r:id="rId15"/>
   </p:sldIdLst>
   <p:sldSz cx="12192000" cy="6858000"/>
   <p:notesSz cx="6858000" cy="9144000"/>
@@ -456,7 +461,7 @@
             <a:fld id="{5923F103-BC34-4FE4-A40E-EDDEECFDA5D0}" type="datetimeFigureOut">
               <a:rPr lang="en-US" dirty="0"/>
               <a:pPr/>
-              <a:t>2/6/2023</a:t>
+              <a:t>2/14/2023</a:t>
             </a:fld>
             <a:endParaRPr lang="en-US" dirty="0"/>
           </a:p>
@@ -1540,7 +1545,7 @@
           <a:p>
             <a:fld id="{923A1CC3-2375-41D4-9E03-427CAF2A4C1A}" type="datetimeFigureOut">
               <a:rPr lang="en-US" dirty="0"/>
-              <a:t>2/6/2023</a:t>
+              <a:t>2/14/2023</a:t>
             </a:fld>
             <a:endParaRPr lang="en-US" dirty="0"/>
           </a:p>
@@ -2516,7 +2521,7 @@
           <a:p>
             <a:fld id="{AFF16868-8199-4C2C-A5B1-63AEE139F88E}" type="datetimeFigureOut">
               <a:rPr lang="en-US" dirty="0"/>
-              <a:t>2/6/2023</a:t>
+              <a:t>2/14/2023</a:t>
             </a:fld>
             <a:endParaRPr lang="en-US" dirty="0"/>
           </a:p>
@@ -3646,7 +3651,7 @@
           <a:p>
             <a:fld id="{AAD9FF7F-6988-44CC-821B-644E70CD2F73}" type="datetimeFigureOut">
               <a:rPr lang="en-US" dirty="0"/>
-              <a:t>2/6/2023</a:t>
+              <a:t>2/14/2023</a:t>
             </a:fld>
             <a:endParaRPr lang="en-US" dirty="0"/>
           </a:p>
@@ -4675,7 +4680,7 @@
           <a:p>
             <a:fld id="{5C12C299-16B2-4475-990D-751901EACC14}" type="datetimeFigureOut">
               <a:rPr lang="en-US" dirty="0"/>
-              <a:t>2/6/2023</a:t>
+              <a:t>2/14/2023</a:t>
             </a:fld>
             <a:endParaRPr lang="en-US" dirty="0"/>
           </a:p>
@@ -5331,7 +5336,7 @@
           <a:p>
             <a:fld id="{9FE86839-B9D8-4651-8783-F325ECE74E65}" type="datetimeFigureOut">
               <a:rPr lang="en-US" dirty="0"/>
-              <a:t>2/6/2023</a:t>
+              <a:t>2/14/2023</a:t>
             </a:fld>
             <a:endParaRPr lang="en-US" dirty="0"/>
           </a:p>
@@ -6188,7 +6193,7 @@
           <a:p>
             <a:fld id="{FD484F64-32F6-45C5-931F-ADC1662401D0}" type="datetimeFigureOut">
               <a:rPr lang="en-US" dirty="0"/>
-              <a:t>2/6/2023</a:t>
+              <a:t>2/14/2023</a:t>
             </a:fld>
             <a:endParaRPr lang="en-US" dirty="0"/>
           </a:p>
@@ -6374,7 +6379,7 @@
           <a:p>
             <a:fld id="{53086D93-FCAC-47E0-A2EE-787E62CA814C}" type="datetimeFigureOut">
               <a:rPr lang="en-US" dirty="0"/>
-              <a:t>2/6/2023</a:t>
+              <a:t>2/14/2023</a:t>
             </a:fld>
             <a:endParaRPr lang="en-US" dirty="0"/>
           </a:p>
@@ -7342,7 +7347,7 @@
           <a:p>
             <a:fld id="{CDA879A6-0FD0-4734-A311-86BFCA472E6E}" type="datetimeFigureOut">
               <a:rPr lang="en-US" dirty="0"/>
-              <a:t>2/6/2023</a:t>
+              <a:t>2/14/2023</a:t>
             </a:fld>
             <a:endParaRPr lang="en-US" dirty="0"/>
           </a:p>
@@ -7549,7 +7554,7 @@
           <a:p>
             <a:fld id="{19C9CA7B-DFD4-44B5-8C60-D14B8CD1FB59}" type="datetimeFigureOut">
               <a:rPr lang="en-US" dirty="0"/>
-              <a:t>2/6/2023</a:t>
+              <a:t>2/14/2023</a:t>
             </a:fld>
             <a:endParaRPr lang="en-US" dirty="0"/>
           </a:p>
@@ -8579,7 +8584,7 @@
           <a:p>
             <a:fld id="{F34E6425-0181-43F2-84FC-787E803FD2F8}" type="datetimeFigureOut">
               <a:rPr lang="en-US" dirty="0"/>
-              <a:t>2/6/2023</a:t>
+              <a:t>2/14/2023</a:t>
             </a:fld>
             <a:endParaRPr lang="en-US" dirty="0"/>
           </a:p>
@@ -8847,7 +8852,7 @@
           <a:p>
             <a:fld id="{3BDB8791-F1B0-41E7-B7FD-A781E65C4266}" type="datetimeFigureOut">
               <a:rPr lang="en-US" dirty="0"/>
-              <a:t>2/6/2023</a:t>
+              <a:t>2/14/2023</a:t>
             </a:fld>
             <a:endParaRPr lang="en-US" dirty="0"/>
           </a:p>
@@ -9253,7 +9258,7 @@
           <a:p>
             <a:fld id="{5FDD63B2-E120-4ED8-B27B-C685F510A5FE}" type="datetimeFigureOut">
               <a:rPr lang="en-US" dirty="0"/>
-              <a:t>2/6/2023</a:t>
+              <a:t>2/14/2023</a:t>
             </a:fld>
             <a:endParaRPr lang="en-US" dirty="0"/>
           </a:p>
@@ -9376,7 +9381,7 @@
           <a:p>
             <a:fld id="{7AA18ACC-A947-437B-A130-35BD54FDF1E9}" type="datetimeFigureOut">
               <a:rPr lang="en-US" dirty="0"/>
-              <a:t>2/6/2023</a:t>
+              <a:t>2/14/2023</a:t>
             </a:fld>
             <a:endParaRPr lang="en-US" dirty="0"/>
           </a:p>
@@ -9467,7 +9472,7 @@
           <a:p>
             <a:fld id="{7C8D7E02-BCB8-4D50-A234-369438C08659}" type="datetimeFigureOut">
               <a:rPr lang="en-US" dirty="0"/>
-              <a:t>2/6/2023</a:t>
+              <a:t>2/14/2023</a:t>
             </a:fld>
             <a:endParaRPr lang="en-US" dirty="0"/>
           </a:p>
@@ -10544,7 +10549,7 @@
           <a:p>
             <a:fld id="{76E86A4C-8E40-4F87-A4F0-01A0687C5742}" type="datetimeFigureOut">
               <a:rPr lang="en-US" dirty="0"/>
-              <a:t>2/6/2023</a:t>
+              <a:t>2/14/2023</a:t>
             </a:fld>
             <a:endParaRPr lang="en-US" dirty="0"/>
           </a:p>
@@ -11648,7 +11653,7 @@
           <a:p>
             <a:fld id="{35E72C73-2D91-4E12-BA25-F0AA0C03599B}" type="datetimeFigureOut">
               <a:rPr lang="en-US" dirty="0"/>
-              <a:t>2/6/2023</a:t>
+              <a:t>2/14/2023</a:t>
             </a:fld>
             <a:endParaRPr lang="en-US" dirty="0"/>
           </a:p>
@@ -12644,7 +12649,7 @@
           <a:p>
             <a:fld id="{2BE451C3-0FF4-47C4-B829-773ADF60F88C}" type="datetimeFigureOut">
               <a:rPr lang="en-US" dirty="0"/>
-              <a:t>2/6/2023</a:t>
+              <a:t>2/14/2023</a:t>
             </a:fld>
             <a:endParaRPr lang="en-US" dirty="0"/>
           </a:p>
@@ -13637,7 +13642,7 @@
 </p:sld>
 </file>
 
-<file path=ppt/slides/slide2.xml><?xml version="1.0" encoding="utf-8"?>
+<file path=ppt/slides/slide10.xml><?xml version="1.0" encoding="utf-8"?>
 <p:sld xmlns:a="http://schemas.openxmlformats.org/drawingml/2006/main" xmlns:r="http://schemas.openxmlformats.org/officeDocument/2006/relationships" xmlns:p="http://schemas.openxmlformats.org/presentationml/2006/main">
   <p:cSld>
     <p:spTree>
@@ -13666,31 +13671,568 @@
         </p:nvSpPr>
         <p:spPr>
           <a:xfrm>
-            <a:off x="3204843" y="2339438"/>
-            <a:ext cx="5725402" cy="729725"/>
+            <a:off x="1107452" y="926275"/>
+            <a:ext cx="6480880" cy="549765"/>
           </a:xfrm>
         </p:spPr>
         <p:txBody>
           <a:bodyPr/>
           <a:lstStyle/>
           <a:p>
-            <a:pPr algn="ctr"/>
-            <a:r>
-              <a:rPr lang="ko-KR" altLang="en-US" sz="3500" b="1" dirty="0" smtClean="0">
+            <a:r>
+              <a:rPr lang="en-US" altLang="ko-KR" sz="2800" b="1" dirty="0" smtClean="0">
                 <a:solidFill>
                   <a:schemeClr val="accent1">
                     <a:lumMod val="40000"/>
                     <a:lumOff val="60000"/>
                   </a:schemeClr>
                 </a:solidFill>
+                <a:latin typeface="+mj-ea"/>
               </a:rPr>
-              <a:t>대충 올림 나중 수정</a:t>
-            </a:r>
-            <a:endParaRPr lang="ko-KR" altLang="en-US" sz="3500" b="1" dirty="0">
+              <a:t>3-3. </a:t>
+            </a:r>
+            <a:r>
+              <a:rPr lang="ko-KR" altLang="en-US" sz="2800" b="1" dirty="0" smtClean="0">
+                <a:solidFill>
+                  <a:schemeClr val="accent1">
+                    <a:lumMod val="40000"/>
+                    <a:lumOff val="60000"/>
+                  </a:schemeClr>
+                </a:solidFill>
+                <a:latin typeface="+mj-ea"/>
+              </a:rPr>
+              <a:t>공공데이터를 활용한 서비스 개발</a:t>
+            </a:r>
+            <a:endParaRPr lang="ko-KR" altLang="en-US" sz="2800" b="1" dirty="0">
               <a:solidFill>
                 <a:schemeClr val="accent1">
                   <a:lumMod val="40000"/>
                   <a:lumOff val="60000"/>
+                </a:schemeClr>
+              </a:solidFill>
+              <a:latin typeface="+mj-ea"/>
+            </a:endParaRPr>
+          </a:p>
+        </p:txBody>
+      </p:sp>
+      <p:sp>
+        <p:nvSpPr>
+          <p:cNvPr id="19" name="제목 5"/>
+          <p:cNvSpPr txBox="1">
+            <a:spLocks/>
+          </p:cNvSpPr>
+          <p:nvPr/>
+        </p:nvSpPr>
+        <p:spPr bwMode="gray">
+          <a:xfrm>
+            <a:off x="1304829" y="1489745"/>
+            <a:ext cx="9509709" cy="330561"/>
+          </a:xfrm>
+          <a:prstGeom prst="rect">
+            <a:avLst/>
+          </a:prstGeom>
+        </p:spPr>
+        <p:txBody>
+          <a:bodyPr vert="horz" lIns="91440" tIns="45720" rIns="91440" bIns="45720" rtlCol="0" anchor="b">
+            <a:noAutofit/>
+          </a:bodyPr>
+          <a:lstStyle>
+            <a:lvl1pPr algn="l" defTabSz="457200" rtl="0" eaLnBrk="1" latinLnBrk="1" hangingPunct="1">
+              <a:spcBef>
+                <a:spcPct val="0"/>
+              </a:spcBef>
+              <a:buNone/>
+              <a:defRPr sz="5400" b="0" i="0" kern="1200">
+                <a:solidFill>
+                  <a:schemeClr val="bg2"/>
+                </a:solidFill>
+                <a:latin typeface="+mj-lt"/>
+                <a:ea typeface="+mj-ea"/>
+                <a:cs typeface="+mj-cs"/>
+              </a:defRPr>
+            </a:lvl1pPr>
+            <a:lvl2pPr eaLnBrk="1" latinLnBrk="1" hangingPunct="1">
+              <a:defRPr>
+                <a:solidFill>
+                  <a:schemeClr val="tx2"/>
+                </a:solidFill>
+              </a:defRPr>
+            </a:lvl2pPr>
+            <a:lvl3pPr eaLnBrk="1" latinLnBrk="1" hangingPunct="1">
+              <a:defRPr>
+                <a:solidFill>
+                  <a:schemeClr val="tx2"/>
+                </a:solidFill>
+              </a:defRPr>
+            </a:lvl3pPr>
+            <a:lvl4pPr eaLnBrk="1" latinLnBrk="1" hangingPunct="1">
+              <a:defRPr>
+                <a:solidFill>
+                  <a:schemeClr val="tx2"/>
+                </a:solidFill>
+              </a:defRPr>
+            </a:lvl4pPr>
+            <a:lvl5pPr eaLnBrk="1" latinLnBrk="1" hangingPunct="1">
+              <a:defRPr>
+                <a:solidFill>
+                  <a:schemeClr val="tx2"/>
+                </a:solidFill>
+              </a:defRPr>
+            </a:lvl5pPr>
+            <a:lvl6pPr eaLnBrk="1" latinLnBrk="1" hangingPunct="1">
+              <a:defRPr>
+                <a:solidFill>
+                  <a:schemeClr val="tx2"/>
+                </a:solidFill>
+              </a:defRPr>
+            </a:lvl6pPr>
+            <a:lvl7pPr eaLnBrk="1" latinLnBrk="1" hangingPunct="1">
+              <a:defRPr>
+                <a:solidFill>
+                  <a:schemeClr val="tx2"/>
+                </a:solidFill>
+              </a:defRPr>
+            </a:lvl7pPr>
+            <a:lvl8pPr eaLnBrk="1" latinLnBrk="1" hangingPunct="1">
+              <a:defRPr>
+                <a:solidFill>
+                  <a:schemeClr val="tx2"/>
+                </a:solidFill>
+              </a:defRPr>
+            </a:lvl8pPr>
+            <a:lvl9pPr eaLnBrk="1" latinLnBrk="1" hangingPunct="1">
+              <a:defRPr>
+                <a:solidFill>
+                  <a:schemeClr val="tx2"/>
+                </a:solidFill>
+              </a:defRPr>
+            </a:lvl9pPr>
+          </a:lstStyle>
+          <a:p>
+            <a:r>
+              <a:rPr lang="en-US" altLang="ko-KR" sz="1600" b="1" dirty="0" err="1" smtClean="0">
+                <a:solidFill>
+                  <a:schemeClr val="accent6">
+                    <a:lumMod val="60000"/>
+                    <a:lumOff val="40000"/>
+                  </a:schemeClr>
+                </a:solidFill>
+              </a:rPr>
+              <a:t>MainController</a:t>
+            </a:r>
+            <a:endParaRPr lang="ko-KR" altLang="en-US" sz="1600" b="1" dirty="0">
+              <a:solidFill>
+                <a:schemeClr val="accent6">
+                  <a:lumMod val="60000"/>
+                  <a:lumOff val="40000"/>
+                </a:schemeClr>
+              </a:solidFill>
+            </a:endParaRPr>
+          </a:p>
+        </p:txBody>
+      </p:sp>
+      <p:pic>
+        <p:nvPicPr>
+          <p:cNvPr id="15" name="그림 14"/>
+          <p:cNvPicPr>
+            <a:picLocks noChangeAspect="1"/>
+          </p:cNvPicPr>
+          <p:nvPr/>
+        </p:nvPicPr>
+        <p:blipFill>
+          <a:blip r:embed="rId2">
+            <a:extLst>
+              <a:ext uri="{28A0092B-C50C-407E-A947-70E740481C1C}">
+                <a14:useLocalDpi xmlns:a14="http://schemas.microsoft.com/office/drawing/2010/main" val="0"/>
+              </a:ext>
+            </a:extLst>
+          </a:blip>
+          <a:stretch>
+            <a:fillRect/>
+          </a:stretch>
+        </p:blipFill>
+        <p:spPr>
+          <a:xfrm>
+            <a:off x="1304828" y="1842642"/>
+            <a:ext cx="4691525" cy="4323386"/>
+          </a:xfrm>
+          <a:prstGeom prst="rect">
+            <a:avLst/>
+          </a:prstGeom>
+        </p:spPr>
+      </p:pic>
+    </p:spTree>
+    <p:extLst>
+      <p:ext uri="{BB962C8B-B14F-4D97-AF65-F5344CB8AC3E}">
+        <p14:creationId xmlns:p14="http://schemas.microsoft.com/office/powerpoint/2010/main" val="3233517763"/>
+      </p:ext>
+    </p:extLst>
+  </p:cSld>
+  <p:clrMapOvr>
+    <a:masterClrMapping/>
+  </p:clrMapOvr>
+</p:sld>
+</file>
+
+<file path=ppt/slides/slide11.xml><?xml version="1.0" encoding="utf-8"?>
+<p:sld xmlns:a="http://schemas.openxmlformats.org/drawingml/2006/main" xmlns:r="http://schemas.openxmlformats.org/officeDocument/2006/relationships" xmlns:p="http://schemas.openxmlformats.org/presentationml/2006/main">
+  <p:cSld>
+    <p:spTree>
+      <p:nvGrpSpPr>
+        <p:cNvPr id="1" name=""/>
+        <p:cNvGrpSpPr/>
+        <p:nvPr/>
+      </p:nvGrpSpPr>
+      <p:grpSpPr>
+        <a:xfrm>
+          <a:off x="0" y="0"/>
+          <a:ext cx="0" cy="0"/>
+          <a:chOff x="0" y="0"/>
+          <a:chExt cx="0" cy="0"/>
+        </a:xfrm>
+      </p:grpSpPr>
+      <p:sp>
+        <p:nvSpPr>
+          <p:cNvPr id="6" name="제목 5"/>
+          <p:cNvSpPr>
+            <a:spLocks noGrp="1"/>
+          </p:cNvSpPr>
+          <p:nvPr>
+            <p:ph type="ctrTitle"/>
+          </p:nvPr>
+        </p:nvSpPr>
+        <p:spPr>
+          <a:xfrm>
+            <a:off x="1107452" y="926275"/>
+            <a:ext cx="6480880" cy="549765"/>
+          </a:xfrm>
+        </p:spPr>
+        <p:txBody>
+          <a:bodyPr/>
+          <a:lstStyle/>
+          <a:p>
+            <a:r>
+              <a:rPr lang="en-US" altLang="ko-KR" sz="2800" b="1" dirty="0" smtClean="0">
+                <a:solidFill>
+                  <a:schemeClr val="accent1">
+                    <a:lumMod val="40000"/>
+                    <a:lumOff val="60000"/>
+                  </a:schemeClr>
+                </a:solidFill>
+                <a:latin typeface="+mj-ea"/>
+              </a:rPr>
+              <a:t>3-4. </a:t>
+            </a:r>
+            <a:r>
+              <a:rPr lang="ko-KR" altLang="en-US" sz="2800" b="1" dirty="0" smtClean="0">
+                <a:solidFill>
+                  <a:schemeClr val="accent1">
+                    <a:lumMod val="40000"/>
+                    <a:lumOff val="60000"/>
+                  </a:schemeClr>
+                </a:solidFill>
+                <a:latin typeface="+mj-ea"/>
+              </a:rPr>
+              <a:t>공공데이터를 활용한 서비스 개발</a:t>
+            </a:r>
+            <a:endParaRPr lang="ko-KR" altLang="en-US" sz="2800" b="1" dirty="0">
+              <a:solidFill>
+                <a:schemeClr val="accent1">
+                  <a:lumMod val="40000"/>
+                  <a:lumOff val="60000"/>
+                </a:schemeClr>
+              </a:solidFill>
+              <a:latin typeface="+mj-ea"/>
+            </a:endParaRPr>
+          </a:p>
+        </p:txBody>
+      </p:sp>
+      <p:sp>
+        <p:nvSpPr>
+          <p:cNvPr id="19" name="제목 5"/>
+          <p:cNvSpPr txBox="1">
+            <a:spLocks/>
+          </p:cNvSpPr>
+          <p:nvPr/>
+        </p:nvSpPr>
+        <p:spPr bwMode="gray">
+          <a:xfrm>
+            <a:off x="1304829" y="1489745"/>
+            <a:ext cx="1403202" cy="330561"/>
+          </a:xfrm>
+          <a:prstGeom prst="rect">
+            <a:avLst/>
+          </a:prstGeom>
+        </p:spPr>
+        <p:txBody>
+          <a:bodyPr vert="horz" lIns="91440" tIns="45720" rIns="91440" bIns="45720" rtlCol="0" anchor="b">
+            <a:noAutofit/>
+          </a:bodyPr>
+          <a:lstStyle>
+            <a:lvl1pPr algn="l" defTabSz="457200" rtl="0" eaLnBrk="1" latinLnBrk="1" hangingPunct="1">
+              <a:spcBef>
+                <a:spcPct val="0"/>
+              </a:spcBef>
+              <a:buNone/>
+              <a:defRPr sz="5400" b="0" i="0" kern="1200">
+                <a:solidFill>
+                  <a:schemeClr val="bg2"/>
+                </a:solidFill>
+                <a:latin typeface="+mj-lt"/>
+                <a:ea typeface="+mj-ea"/>
+                <a:cs typeface="+mj-cs"/>
+              </a:defRPr>
+            </a:lvl1pPr>
+            <a:lvl2pPr eaLnBrk="1" latinLnBrk="1" hangingPunct="1">
+              <a:defRPr>
+                <a:solidFill>
+                  <a:schemeClr val="tx2"/>
+                </a:solidFill>
+              </a:defRPr>
+            </a:lvl2pPr>
+            <a:lvl3pPr eaLnBrk="1" latinLnBrk="1" hangingPunct="1">
+              <a:defRPr>
+                <a:solidFill>
+                  <a:schemeClr val="tx2"/>
+                </a:solidFill>
+              </a:defRPr>
+            </a:lvl3pPr>
+            <a:lvl4pPr eaLnBrk="1" latinLnBrk="1" hangingPunct="1">
+              <a:defRPr>
+                <a:solidFill>
+                  <a:schemeClr val="tx2"/>
+                </a:solidFill>
+              </a:defRPr>
+            </a:lvl4pPr>
+            <a:lvl5pPr eaLnBrk="1" latinLnBrk="1" hangingPunct="1">
+              <a:defRPr>
+                <a:solidFill>
+                  <a:schemeClr val="tx2"/>
+                </a:solidFill>
+              </a:defRPr>
+            </a:lvl5pPr>
+            <a:lvl6pPr eaLnBrk="1" latinLnBrk="1" hangingPunct="1">
+              <a:defRPr>
+                <a:solidFill>
+                  <a:schemeClr val="tx2"/>
+                </a:solidFill>
+              </a:defRPr>
+            </a:lvl6pPr>
+            <a:lvl7pPr eaLnBrk="1" latinLnBrk="1" hangingPunct="1">
+              <a:defRPr>
+                <a:solidFill>
+                  <a:schemeClr val="tx2"/>
+                </a:solidFill>
+              </a:defRPr>
+            </a:lvl7pPr>
+            <a:lvl8pPr eaLnBrk="1" latinLnBrk="1" hangingPunct="1">
+              <a:defRPr>
+                <a:solidFill>
+                  <a:schemeClr val="tx2"/>
+                </a:solidFill>
+              </a:defRPr>
+            </a:lvl8pPr>
+            <a:lvl9pPr eaLnBrk="1" latinLnBrk="1" hangingPunct="1">
+              <a:defRPr>
+                <a:solidFill>
+                  <a:schemeClr val="tx2"/>
+                </a:solidFill>
+              </a:defRPr>
+            </a:lvl9pPr>
+          </a:lstStyle>
+          <a:p>
+            <a:r>
+              <a:rPr lang="en-US" altLang="ko-KR" sz="1600" b="1" dirty="0" err="1" smtClean="0">
+                <a:solidFill>
+                  <a:schemeClr val="accent6">
+                    <a:lumMod val="60000"/>
+                    <a:lumOff val="40000"/>
+                  </a:schemeClr>
+                </a:solidFill>
+              </a:rPr>
+              <a:t>ItemVO</a:t>
+            </a:r>
+            <a:endParaRPr lang="ko-KR" altLang="en-US" sz="1600" b="1" dirty="0">
+              <a:solidFill>
+                <a:schemeClr val="accent6">
+                  <a:lumMod val="60000"/>
+                  <a:lumOff val="40000"/>
+                </a:schemeClr>
+              </a:solidFill>
+            </a:endParaRPr>
+          </a:p>
+        </p:txBody>
+      </p:sp>
+      <p:pic>
+        <p:nvPicPr>
+          <p:cNvPr id="3" name="그림 2"/>
+          <p:cNvPicPr>
+            <a:picLocks noChangeAspect="1"/>
+          </p:cNvPicPr>
+          <p:nvPr/>
+        </p:nvPicPr>
+        <p:blipFill>
+          <a:blip r:embed="rId2">
+            <a:extLst>
+              <a:ext uri="{28A0092B-C50C-407E-A947-70E740481C1C}">
+                <a14:useLocalDpi xmlns:a14="http://schemas.microsoft.com/office/drawing/2010/main" val="0"/>
+              </a:ext>
+            </a:extLst>
+          </a:blip>
+          <a:stretch>
+            <a:fillRect/>
+          </a:stretch>
+        </p:blipFill>
+        <p:spPr>
+          <a:xfrm>
+            <a:off x="1304829" y="1842642"/>
+            <a:ext cx="3323069" cy="4188881"/>
+          </a:xfrm>
+          <a:prstGeom prst="rect">
+            <a:avLst/>
+          </a:prstGeom>
+        </p:spPr>
+      </p:pic>
+      <p:pic>
+        <p:nvPicPr>
+          <p:cNvPr id="4" name="그림 3"/>
+          <p:cNvPicPr>
+            <a:picLocks noChangeAspect="1"/>
+          </p:cNvPicPr>
+          <p:nvPr/>
+        </p:nvPicPr>
+        <p:blipFill>
+          <a:blip r:embed="rId3">
+            <a:extLst>
+              <a:ext uri="{28A0092B-C50C-407E-A947-70E740481C1C}">
+                <a14:useLocalDpi xmlns:a14="http://schemas.microsoft.com/office/drawing/2010/main" val="0"/>
+              </a:ext>
+            </a:extLst>
+          </a:blip>
+          <a:stretch>
+            <a:fillRect/>
+          </a:stretch>
+        </p:blipFill>
+        <p:spPr>
+          <a:xfrm>
+            <a:off x="5929590" y="1842642"/>
+            <a:ext cx="2230243" cy="4394035"/>
+          </a:xfrm>
+          <a:prstGeom prst="rect">
+            <a:avLst/>
+          </a:prstGeom>
+        </p:spPr>
+      </p:pic>
+      <p:sp>
+        <p:nvSpPr>
+          <p:cNvPr id="7" name="제목 5"/>
+          <p:cNvSpPr txBox="1">
+            <a:spLocks/>
+          </p:cNvSpPr>
+          <p:nvPr/>
+        </p:nvSpPr>
+        <p:spPr bwMode="gray">
+          <a:xfrm>
+            <a:off x="5929590" y="1489745"/>
+            <a:ext cx="1403202" cy="330561"/>
+          </a:xfrm>
+          <a:prstGeom prst="rect">
+            <a:avLst/>
+          </a:prstGeom>
+        </p:spPr>
+        <p:txBody>
+          <a:bodyPr vert="horz" lIns="91440" tIns="45720" rIns="91440" bIns="45720" rtlCol="0" anchor="b">
+            <a:noAutofit/>
+          </a:bodyPr>
+          <a:lstStyle>
+            <a:lvl1pPr algn="l" defTabSz="457200" rtl="0" eaLnBrk="1" latinLnBrk="1" hangingPunct="1">
+              <a:spcBef>
+                <a:spcPct val="0"/>
+              </a:spcBef>
+              <a:buNone/>
+              <a:defRPr sz="5400" b="0" i="0" kern="1200">
+                <a:solidFill>
+                  <a:schemeClr val="bg2"/>
+                </a:solidFill>
+                <a:latin typeface="+mj-lt"/>
+                <a:ea typeface="+mj-ea"/>
+                <a:cs typeface="+mj-cs"/>
+              </a:defRPr>
+            </a:lvl1pPr>
+            <a:lvl2pPr eaLnBrk="1" latinLnBrk="1" hangingPunct="1">
+              <a:defRPr>
+                <a:solidFill>
+                  <a:schemeClr val="tx2"/>
+                </a:solidFill>
+              </a:defRPr>
+            </a:lvl2pPr>
+            <a:lvl3pPr eaLnBrk="1" latinLnBrk="1" hangingPunct="1">
+              <a:defRPr>
+                <a:solidFill>
+                  <a:schemeClr val="tx2"/>
+                </a:solidFill>
+              </a:defRPr>
+            </a:lvl3pPr>
+            <a:lvl4pPr eaLnBrk="1" latinLnBrk="1" hangingPunct="1">
+              <a:defRPr>
+                <a:solidFill>
+                  <a:schemeClr val="tx2"/>
+                </a:solidFill>
+              </a:defRPr>
+            </a:lvl4pPr>
+            <a:lvl5pPr eaLnBrk="1" latinLnBrk="1" hangingPunct="1">
+              <a:defRPr>
+                <a:solidFill>
+                  <a:schemeClr val="tx2"/>
+                </a:solidFill>
+              </a:defRPr>
+            </a:lvl5pPr>
+            <a:lvl6pPr eaLnBrk="1" latinLnBrk="1" hangingPunct="1">
+              <a:defRPr>
+                <a:solidFill>
+                  <a:schemeClr val="tx2"/>
+                </a:solidFill>
+              </a:defRPr>
+            </a:lvl6pPr>
+            <a:lvl7pPr eaLnBrk="1" latinLnBrk="1" hangingPunct="1">
+              <a:defRPr>
+                <a:solidFill>
+                  <a:schemeClr val="tx2"/>
+                </a:solidFill>
+              </a:defRPr>
+            </a:lvl7pPr>
+            <a:lvl8pPr eaLnBrk="1" latinLnBrk="1" hangingPunct="1">
+              <a:defRPr>
+                <a:solidFill>
+                  <a:schemeClr val="tx2"/>
+                </a:solidFill>
+              </a:defRPr>
+            </a:lvl8pPr>
+            <a:lvl9pPr eaLnBrk="1" latinLnBrk="1" hangingPunct="1">
+              <a:defRPr>
+                <a:solidFill>
+                  <a:schemeClr val="tx2"/>
+                </a:solidFill>
+              </a:defRPr>
+            </a:lvl9pPr>
+          </a:lstStyle>
+          <a:p>
+            <a:r>
+              <a:rPr lang="en-US" altLang="ko-KR" sz="1600" b="1" dirty="0" err="1" smtClean="0">
+                <a:solidFill>
+                  <a:schemeClr val="accent6">
+                    <a:lumMod val="60000"/>
+                    <a:lumOff val="40000"/>
+                  </a:schemeClr>
+                </a:solidFill>
+              </a:rPr>
+              <a:t>ResultVO</a:t>
+            </a:r>
+            <a:endParaRPr lang="ko-KR" altLang="en-US" sz="1600" b="1" dirty="0">
+              <a:solidFill>
+                <a:schemeClr val="accent6">
+                  <a:lumMod val="60000"/>
+                  <a:lumOff val="40000"/>
                 </a:schemeClr>
               </a:solidFill>
             </a:endParaRPr>
@@ -13700,7 +14242,7 @@
     </p:spTree>
     <p:extLst>
       <p:ext uri="{BB962C8B-B14F-4D97-AF65-F5344CB8AC3E}">
-        <p14:creationId xmlns:p14="http://schemas.microsoft.com/office/powerpoint/2010/main" val="3503555433"/>
+        <p14:creationId xmlns:p14="http://schemas.microsoft.com/office/powerpoint/2010/main" val="2833471737"/>
       </p:ext>
     </p:extLst>
   </p:cSld>
@@ -13710,7 +14252,543 @@
 </p:sld>
 </file>
 
-<file path=ppt/slides/slide3.xml><?xml version="1.0" encoding="utf-8"?>
+<file path=ppt/slides/slide12.xml><?xml version="1.0" encoding="utf-8"?>
+<p:sld xmlns:a="http://schemas.openxmlformats.org/drawingml/2006/main" xmlns:r="http://schemas.openxmlformats.org/officeDocument/2006/relationships" xmlns:p="http://schemas.openxmlformats.org/presentationml/2006/main">
+  <p:cSld>
+    <p:spTree>
+      <p:nvGrpSpPr>
+        <p:cNvPr id="1" name=""/>
+        <p:cNvGrpSpPr/>
+        <p:nvPr/>
+      </p:nvGrpSpPr>
+      <p:grpSpPr>
+        <a:xfrm>
+          <a:off x="0" y="0"/>
+          <a:ext cx="0" cy="0"/>
+          <a:chOff x="0" y="0"/>
+          <a:chExt cx="0" cy="0"/>
+        </a:xfrm>
+      </p:grpSpPr>
+      <p:sp>
+        <p:nvSpPr>
+          <p:cNvPr id="6" name="제목 5"/>
+          <p:cNvSpPr>
+            <a:spLocks noGrp="1"/>
+          </p:cNvSpPr>
+          <p:nvPr>
+            <p:ph type="ctrTitle"/>
+          </p:nvPr>
+        </p:nvSpPr>
+        <p:spPr>
+          <a:xfrm>
+            <a:off x="1107452" y="926275"/>
+            <a:ext cx="6480880" cy="549765"/>
+          </a:xfrm>
+        </p:spPr>
+        <p:txBody>
+          <a:bodyPr/>
+          <a:lstStyle/>
+          <a:p>
+            <a:r>
+              <a:rPr lang="en-US" altLang="ko-KR" sz="2800" b="1" dirty="0" smtClean="0">
+                <a:solidFill>
+                  <a:schemeClr val="accent1">
+                    <a:lumMod val="40000"/>
+                    <a:lumOff val="60000"/>
+                  </a:schemeClr>
+                </a:solidFill>
+                <a:latin typeface="+mj-ea"/>
+              </a:rPr>
+              <a:t>3-5. </a:t>
+            </a:r>
+            <a:r>
+              <a:rPr lang="ko-KR" altLang="en-US" sz="2800" b="1" dirty="0" smtClean="0">
+                <a:solidFill>
+                  <a:schemeClr val="accent1">
+                    <a:lumMod val="40000"/>
+                    <a:lumOff val="60000"/>
+                  </a:schemeClr>
+                </a:solidFill>
+                <a:latin typeface="+mj-ea"/>
+              </a:rPr>
+              <a:t>공공데이터를 활용한 서비스 개발</a:t>
+            </a:r>
+            <a:endParaRPr lang="ko-KR" altLang="en-US" sz="2800" b="1" dirty="0">
+              <a:solidFill>
+                <a:schemeClr val="accent1">
+                  <a:lumMod val="40000"/>
+                  <a:lumOff val="60000"/>
+                </a:schemeClr>
+              </a:solidFill>
+              <a:latin typeface="+mj-ea"/>
+            </a:endParaRPr>
+          </a:p>
+        </p:txBody>
+      </p:sp>
+      <p:sp>
+        <p:nvSpPr>
+          <p:cNvPr id="19" name="제목 5"/>
+          <p:cNvSpPr txBox="1">
+            <a:spLocks/>
+          </p:cNvSpPr>
+          <p:nvPr/>
+        </p:nvSpPr>
+        <p:spPr bwMode="gray">
+          <a:xfrm>
+            <a:off x="1304829" y="1489745"/>
+            <a:ext cx="1403202" cy="330561"/>
+          </a:xfrm>
+          <a:prstGeom prst="rect">
+            <a:avLst/>
+          </a:prstGeom>
+        </p:spPr>
+        <p:txBody>
+          <a:bodyPr vert="horz" lIns="91440" tIns="45720" rIns="91440" bIns="45720" rtlCol="0" anchor="b">
+            <a:noAutofit/>
+          </a:bodyPr>
+          <a:lstStyle>
+            <a:lvl1pPr algn="l" defTabSz="457200" rtl="0" eaLnBrk="1" latinLnBrk="1" hangingPunct="1">
+              <a:spcBef>
+                <a:spcPct val="0"/>
+              </a:spcBef>
+              <a:buNone/>
+              <a:defRPr sz="5400" b="0" i="0" kern="1200">
+                <a:solidFill>
+                  <a:schemeClr val="bg2"/>
+                </a:solidFill>
+                <a:latin typeface="+mj-lt"/>
+                <a:ea typeface="+mj-ea"/>
+                <a:cs typeface="+mj-cs"/>
+              </a:defRPr>
+            </a:lvl1pPr>
+            <a:lvl2pPr eaLnBrk="1" latinLnBrk="1" hangingPunct="1">
+              <a:defRPr>
+                <a:solidFill>
+                  <a:schemeClr val="tx2"/>
+                </a:solidFill>
+              </a:defRPr>
+            </a:lvl2pPr>
+            <a:lvl3pPr eaLnBrk="1" latinLnBrk="1" hangingPunct="1">
+              <a:defRPr>
+                <a:solidFill>
+                  <a:schemeClr val="tx2"/>
+                </a:solidFill>
+              </a:defRPr>
+            </a:lvl3pPr>
+            <a:lvl4pPr eaLnBrk="1" latinLnBrk="1" hangingPunct="1">
+              <a:defRPr>
+                <a:solidFill>
+                  <a:schemeClr val="tx2"/>
+                </a:solidFill>
+              </a:defRPr>
+            </a:lvl4pPr>
+            <a:lvl5pPr eaLnBrk="1" latinLnBrk="1" hangingPunct="1">
+              <a:defRPr>
+                <a:solidFill>
+                  <a:schemeClr val="tx2"/>
+                </a:solidFill>
+              </a:defRPr>
+            </a:lvl5pPr>
+            <a:lvl6pPr eaLnBrk="1" latinLnBrk="1" hangingPunct="1">
+              <a:defRPr>
+                <a:solidFill>
+                  <a:schemeClr val="tx2"/>
+                </a:solidFill>
+              </a:defRPr>
+            </a:lvl6pPr>
+            <a:lvl7pPr eaLnBrk="1" latinLnBrk="1" hangingPunct="1">
+              <a:defRPr>
+                <a:solidFill>
+                  <a:schemeClr val="tx2"/>
+                </a:solidFill>
+              </a:defRPr>
+            </a:lvl7pPr>
+            <a:lvl8pPr eaLnBrk="1" latinLnBrk="1" hangingPunct="1">
+              <a:defRPr>
+                <a:solidFill>
+                  <a:schemeClr val="tx2"/>
+                </a:solidFill>
+              </a:defRPr>
+            </a:lvl8pPr>
+            <a:lvl9pPr eaLnBrk="1" latinLnBrk="1" hangingPunct="1">
+              <a:defRPr>
+                <a:solidFill>
+                  <a:schemeClr val="tx2"/>
+                </a:solidFill>
+              </a:defRPr>
+            </a:lvl9pPr>
+          </a:lstStyle>
+          <a:p>
+            <a:r>
+              <a:rPr lang="en-US" altLang="ko-KR" sz="1600" b="1" dirty="0" smtClean="0">
+                <a:solidFill>
+                  <a:schemeClr val="accent6">
+                    <a:lumMod val="60000"/>
+                    <a:lumOff val="40000"/>
+                  </a:schemeClr>
+                </a:solidFill>
+              </a:rPr>
+              <a:t>Index</a:t>
+            </a:r>
+            <a:endParaRPr lang="ko-KR" altLang="en-US" sz="1600" b="1" dirty="0">
+              <a:solidFill>
+                <a:schemeClr val="accent6">
+                  <a:lumMod val="60000"/>
+                  <a:lumOff val="40000"/>
+                </a:schemeClr>
+              </a:solidFill>
+            </a:endParaRPr>
+          </a:p>
+        </p:txBody>
+      </p:sp>
+      <p:pic>
+        <p:nvPicPr>
+          <p:cNvPr id="2" name="그림 1"/>
+          <p:cNvPicPr>
+            <a:picLocks noChangeAspect="1"/>
+          </p:cNvPicPr>
+          <p:nvPr/>
+        </p:nvPicPr>
+        <p:blipFill>
+          <a:blip r:embed="rId2">
+            <a:extLst>
+              <a:ext uri="{28A0092B-C50C-407E-A947-70E740481C1C}">
+                <a14:useLocalDpi xmlns:a14="http://schemas.microsoft.com/office/drawing/2010/main" val="0"/>
+              </a:ext>
+            </a:extLst>
+          </a:blip>
+          <a:stretch>
+            <a:fillRect/>
+          </a:stretch>
+        </p:blipFill>
+        <p:spPr>
+          <a:xfrm>
+            <a:off x="1304828" y="1842641"/>
+            <a:ext cx="5955439" cy="4335421"/>
+          </a:xfrm>
+          <a:prstGeom prst="rect">
+            <a:avLst/>
+          </a:prstGeom>
+        </p:spPr>
+      </p:pic>
+    </p:spTree>
+    <p:extLst>
+      <p:ext uri="{BB962C8B-B14F-4D97-AF65-F5344CB8AC3E}">
+        <p14:creationId xmlns:p14="http://schemas.microsoft.com/office/powerpoint/2010/main" val="567722052"/>
+      </p:ext>
+    </p:extLst>
+  </p:cSld>
+  <p:clrMapOvr>
+    <a:masterClrMapping/>
+  </p:clrMapOvr>
+</p:sld>
+</file>
+
+<file path=ppt/slides/slide13.xml><?xml version="1.0" encoding="utf-8"?>
+<p:sld xmlns:a="http://schemas.openxmlformats.org/drawingml/2006/main" xmlns:r="http://schemas.openxmlformats.org/officeDocument/2006/relationships" xmlns:p="http://schemas.openxmlformats.org/presentationml/2006/main">
+  <p:cSld>
+    <p:spTree>
+      <p:nvGrpSpPr>
+        <p:cNvPr id="1" name=""/>
+        <p:cNvGrpSpPr/>
+        <p:nvPr/>
+      </p:nvGrpSpPr>
+      <p:grpSpPr>
+        <a:xfrm>
+          <a:off x="0" y="0"/>
+          <a:ext cx="0" cy="0"/>
+          <a:chOff x="0" y="0"/>
+          <a:chExt cx="0" cy="0"/>
+        </a:xfrm>
+      </p:grpSpPr>
+      <p:sp>
+        <p:nvSpPr>
+          <p:cNvPr id="6" name="제목 5"/>
+          <p:cNvSpPr>
+            <a:spLocks noGrp="1"/>
+          </p:cNvSpPr>
+          <p:nvPr>
+            <p:ph type="ctrTitle"/>
+          </p:nvPr>
+        </p:nvSpPr>
+        <p:spPr>
+          <a:xfrm>
+            <a:off x="1107452" y="926275"/>
+            <a:ext cx="6480880" cy="549765"/>
+          </a:xfrm>
+        </p:spPr>
+        <p:txBody>
+          <a:bodyPr/>
+          <a:lstStyle/>
+          <a:p>
+            <a:r>
+              <a:rPr lang="en-US" altLang="ko-KR" sz="2800" b="1" dirty="0" smtClean="0">
+                <a:solidFill>
+                  <a:schemeClr val="accent1">
+                    <a:lumMod val="40000"/>
+                    <a:lumOff val="60000"/>
+                  </a:schemeClr>
+                </a:solidFill>
+                <a:latin typeface="+mj-ea"/>
+              </a:rPr>
+              <a:t>4. </a:t>
+            </a:r>
+            <a:r>
+              <a:rPr lang="ko-KR" altLang="en-US" sz="2800" b="1" dirty="0" smtClean="0">
+                <a:solidFill>
+                  <a:schemeClr val="accent1">
+                    <a:lumMod val="40000"/>
+                    <a:lumOff val="60000"/>
+                  </a:schemeClr>
+                </a:solidFill>
+                <a:latin typeface="+mj-ea"/>
+              </a:rPr>
+              <a:t>실행</a:t>
+            </a:r>
+            <a:endParaRPr lang="ko-KR" altLang="en-US" sz="2800" b="1" dirty="0">
+              <a:solidFill>
+                <a:schemeClr val="accent1">
+                  <a:lumMod val="40000"/>
+                  <a:lumOff val="60000"/>
+                </a:schemeClr>
+              </a:solidFill>
+              <a:latin typeface="+mj-ea"/>
+            </a:endParaRPr>
+          </a:p>
+        </p:txBody>
+      </p:sp>
+      <p:sp>
+        <p:nvSpPr>
+          <p:cNvPr id="19" name="제목 5"/>
+          <p:cNvSpPr txBox="1">
+            <a:spLocks/>
+          </p:cNvSpPr>
+          <p:nvPr/>
+        </p:nvSpPr>
+        <p:spPr bwMode="gray">
+          <a:xfrm>
+            <a:off x="1304829" y="1489745"/>
+            <a:ext cx="5875556" cy="330561"/>
+          </a:xfrm>
+          <a:prstGeom prst="rect">
+            <a:avLst/>
+          </a:prstGeom>
+        </p:spPr>
+        <p:txBody>
+          <a:bodyPr vert="horz" lIns="91440" tIns="45720" rIns="91440" bIns="45720" rtlCol="0" anchor="b">
+            <a:noAutofit/>
+          </a:bodyPr>
+          <a:lstStyle>
+            <a:lvl1pPr algn="l" defTabSz="457200" rtl="0" eaLnBrk="1" latinLnBrk="1" hangingPunct="1">
+              <a:spcBef>
+                <a:spcPct val="0"/>
+              </a:spcBef>
+              <a:buNone/>
+              <a:defRPr sz="5400" b="0" i="0" kern="1200">
+                <a:solidFill>
+                  <a:schemeClr val="bg2"/>
+                </a:solidFill>
+                <a:latin typeface="+mj-lt"/>
+                <a:ea typeface="+mj-ea"/>
+                <a:cs typeface="+mj-cs"/>
+              </a:defRPr>
+            </a:lvl1pPr>
+            <a:lvl2pPr eaLnBrk="1" latinLnBrk="1" hangingPunct="1">
+              <a:defRPr>
+                <a:solidFill>
+                  <a:schemeClr val="tx2"/>
+                </a:solidFill>
+              </a:defRPr>
+            </a:lvl2pPr>
+            <a:lvl3pPr eaLnBrk="1" latinLnBrk="1" hangingPunct="1">
+              <a:defRPr>
+                <a:solidFill>
+                  <a:schemeClr val="tx2"/>
+                </a:solidFill>
+              </a:defRPr>
+            </a:lvl3pPr>
+            <a:lvl4pPr eaLnBrk="1" latinLnBrk="1" hangingPunct="1">
+              <a:defRPr>
+                <a:solidFill>
+                  <a:schemeClr val="tx2"/>
+                </a:solidFill>
+              </a:defRPr>
+            </a:lvl4pPr>
+            <a:lvl5pPr eaLnBrk="1" latinLnBrk="1" hangingPunct="1">
+              <a:defRPr>
+                <a:solidFill>
+                  <a:schemeClr val="tx2"/>
+                </a:solidFill>
+              </a:defRPr>
+            </a:lvl5pPr>
+            <a:lvl6pPr eaLnBrk="1" latinLnBrk="1" hangingPunct="1">
+              <a:defRPr>
+                <a:solidFill>
+                  <a:schemeClr val="tx2"/>
+                </a:solidFill>
+              </a:defRPr>
+            </a:lvl6pPr>
+            <a:lvl7pPr eaLnBrk="1" latinLnBrk="1" hangingPunct="1">
+              <a:defRPr>
+                <a:solidFill>
+                  <a:schemeClr val="tx2"/>
+                </a:solidFill>
+              </a:defRPr>
+            </a:lvl7pPr>
+            <a:lvl8pPr eaLnBrk="1" latinLnBrk="1" hangingPunct="1">
+              <a:defRPr>
+                <a:solidFill>
+                  <a:schemeClr val="tx2"/>
+                </a:solidFill>
+              </a:defRPr>
+            </a:lvl8pPr>
+            <a:lvl9pPr eaLnBrk="1" latinLnBrk="1" hangingPunct="1">
+              <a:defRPr>
+                <a:solidFill>
+                  <a:schemeClr val="tx2"/>
+                </a:solidFill>
+              </a:defRPr>
+            </a:lvl9pPr>
+          </a:lstStyle>
+          <a:p>
+            <a:r>
+              <a:rPr lang="en-US" altLang="ko-KR" sz="1600" b="1" dirty="0" smtClean="0">
+                <a:solidFill>
+                  <a:schemeClr val="accent6">
+                    <a:lumMod val="60000"/>
+                    <a:lumOff val="40000"/>
+                  </a:schemeClr>
+                </a:solidFill>
+              </a:rPr>
+              <a:t>localhost:8080/index</a:t>
+            </a:r>
+            <a:endParaRPr lang="ko-KR" altLang="en-US" sz="1600" b="1" dirty="0">
+              <a:solidFill>
+                <a:schemeClr val="accent6">
+                  <a:lumMod val="60000"/>
+                  <a:lumOff val="40000"/>
+                </a:schemeClr>
+              </a:solidFill>
+            </a:endParaRPr>
+          </a:p>
+        </p:txBody>
+      </p:sp>
+      <p:pic>
+        <p:nvPicPr>
+          <p:cNvPr id="2" name="그림 1"/>
+          <p:cNvPicPr>
+            <a:picLocks noChangeAspect="1"/>
+          </p:cNvPicPr>
+          <p:nvPr/>
+        </p:nvPicPr>
+        <p:blipFill>
+          <a:blip r:embed="rId2">
+            <a:extLst>
+              <a:ext uri="{28A0092B-C50C-407E-A947-70E740481C1C}">
+                <a14:useLocalDpi xmlns:a14="http://schemas.microsoft.com/office/drawing/2010/main" val="0"/>
+              </a:ext>
+            </a:extLst>
+          </a:blip>
+          <a:stretch>
+            <a:fillRect/>
+          </a:stretch>
+        </p:blipFill>
+        <p:spPr>
+          <a:xfrm>
+            <a:off x="1304829" y="1842642"/>
+            <a:ext cx="4087785" cy="4343872"/>
+          </a:xfrm>
+          <a:prstGeom prst="rect">
+            <a:avLst/>
+          </a:prstGeom>
+        </p:spPr>
+      </p:pic>
+    </p:spTree>
+    <p:extLst>
+      <p:ext uri="{BB962C8B-B14F-4D97-AF65-F5344CB8AC3E}">
+        <p14:creationId xmlns:p14="http://schemas.microsoft.com/office/powerpoint/2010/main" val="2734932581"/>
+      </p:ext>
+    </p:extLst>
+  </p:cSld>
+  <p:clrMapOvr>
+    <a:masterClrMapping/>
+  </p:clrMapOvr>
+</p:sld>
+</file>
+
+<file path=ppt/slides/slide14.xml><?xml version="1.0" encoding="utf-8"?>
+<p:sld xmlns:a="http://schemas.openxmlformats.org/drawingml/2006/main" xmlns:r="http://schemas.openxmlformats.org/officeDocument/2006/relationships" xmlns:p="http://schemas.openxmlformats.org/presentationml/2006/main">
+  <p:cSld>
+    <p:spTree>
+      <p:nvGrpSpPr>
+        <p:cNvPr id="1" name=""/>
+        <p:cNvGrpSpPr/>
+        <p:nvPr/>
+      </p:nvGrpSpPr>
+      <p:grpSpPr>
+        <a:xfrm>
+          <a:off x="0" y="0"/>
+          <a:ext cx="0" cy="0"/>
+          <a:chOff x="0" y="0"/>
+          <a:chExt cx="0" cy="0"/>
+        </a:xfrm>
+      </p:grpSpPr>
+      <p:sp>
+        <p:nvSpPr>
+          <p:cNvPr id="2" name="제목 1"/>
+          <p:cNvSpPr>
+            <a:spLocks noGrp="1"/>
+          </p:cNvSpPr>
+          <p:nvPr>
+            <p:ph type="ctrTitle"/>
+          </p:nvPr>
+        </p:nvSpPr>
+        <p:spPr>
+          <a:xfrm>
+            <a:off x="3842660" y="2685651"/>
+            <a:ext cx="3695278" cy="989152"/>
+          </a:xfrm>
+        </p:spPr>
+        <p:txBody>
+          <a:bodyPr/>
+          <a:lstStyle/>
+          <a:p>
+            <a:r>
+              <a:rPr lang="ko-KR" altLang="en-US" dirty="0" smtClean="0">
+                <a:solidFill>
+                  <a:schemeClr val="accent6">
+                    <a:lumMod val="60000"/>
+                    <a:lumOff val="40000"/>
+                  </a:schemeClr>
+                </a:solidFill>
+              </a:rPr>
+              <a:t>감사합니다</a:t>
+            </a:r>
+            <a:endParaRPr lang="ko-KR" altLang="en-US" dirty="0">
+              <a:solidFill>
+                <a:schemeClr val="accent6">
+                  <a:lumMod val="60000"/>
+                  <a:lumOff val="40000"/>
+                </a:schemeClr>
+              </a:solidFill>
+            </a:endParaRPr>
+          </a:p>
+        </p:txBody>
+      </p:sp>
+    </p:spTree>
+    <p:extLst>
+      <p:ext uri="{BB962C8B-B14F-4D97-AF65-F5344CB8AC3E}">
+        <p14:creationId xmlns:p14="http://schemas.microsoft.com/office/powerpoint/2010/main" val="3111855299"/>
+      </p:ext>
+    </p:extLst>
+  </p:cSld>
+  <p:clrMapOvr>
+    <a:masterClrMapping/>
+  </p:clrMapOvr>
+</p:sld>
+</file>
+
+<file path=ppt/slides/slide2.xml><?xml version="1.0" encoding="utf-8"?>
 <p:sld xmlns:a="http://schemas.openxmlformats.org/drawingml/2006/main" xmlns:r="http://schemas.openxmlformats.org/officeDocument/2006/relationships" xmlns:p="http://schemas.openxmlformats.org/presentationml/2006/main">
   <p:cSld>
     <p:spTree>
@@ -13779,8 +14857,8 @@
         </p:nvSpPr>
         <p:spPr bwMode="gray">
           <a:xfrm>
-            <a:off x="1288233" y="1961702"/>
-            <a:ext cx="3575384" cy="440908"/>
+            <a:off x="1288232" y="2258582"/>
+            <a:ext cx="4091289" cy="440908"/>
           </a:xfrm>
           <a:prstGeom prst="rect">
             <a:avLst/>
@@ -13864,21 +14942,54 @@
           </a:lstStyle>
           <a:p>
             <a:r>
+              <a:rPr lang="en-US" altLang="ko-KR" sz="2000" b="1" dirty="0" smtClean="0">
+                <a:solidFill>
+                  <a:schemeClr val="accent6">
+                    <a:lumMod val="60000"/>
+                    <a:lumOff val="40000"/>
+                  </a:schemeClr>
+                </a:solidFill>
+              </a:rPr>
+              <a:t>1. </a:t>
+            </a:r>
+            <a:r>
               <a:rPr lang="ko-KR" altLang="en-US" sz="2000" b="1" dirty="0" smtClean="0">
                 <a:solidFill>
-                  <a:schemeClr val="accent1">
-                    <a:lumMod val="40000"/>
-                    <a:lumOff val="60000"/>
+                  <a:schemeClr val="accent6">
+                    <a:lumMod val="60000"/>
+                    <a:lumOff val="40000"/>
                   </a:schemeClr>
                 </a:solidFill>
               </a:rPr>
-              <a:t>작업내용</a:t>
+              <a:t>공공 데이터 </a:t>
+            </a:r>
+            <a:r>
+              <a:rPr lang="en-US" altLang="ko-KR" sz="2000" b="1" dirty="0" smtClean="0">
+                <a:solidFill>
+                  <a:schemeClr val="accent6">
+                    <a:lumMod val="60000"/>
+                    <a:lumOff val="40000"/>
+                  </a:schemeClr>
+                </a:solidFill>
+              </a:rPr>
+              <a:t>API </a:t>
+            </a:r>
+            <a:r>
+              <a:rPr lang="ko-KR" altLang="en-US" sz="2000" b="1" dirty="0" smtClean="0">
+                <a:solidFill>
+                  <a:schemeClr val="accent6">
+                    <a:lumMod val="60000"/>
+                    <a:lumOff val="40000"/>
+                  </a:schemeClr>
+                </a:solidFill>
+              </a:rPr>
+              <a:t>신청 및 확인</a:t>
             </a:r>
             <a:endParaRPr lang="ko-KR" altLang="en-US" sz="2000" b="1" dirty="0">
               <a:solidFill>
-                <a:schemeClr val="accent1">
-                  <a:lumMod val="40000"/>
-                  <a:lumOff val="60000"/>
+                <a:schemeClr val="accent6">
+                  <a:lumMod val="60000"/>
+                  <a:lumOff val="40000"/>
                 </a:schemeClr>
               </a:solidFill>
             </a:endParaRPr>
@@ -13887,7 +14998,7 @@
       </p:sp>
       <p:sp>
         <p:nvSpPr>
-          <p:cNvPr id="7" name="제목 5"/>
+          <p:cNvPr id="16" name="제목 5"/>
           <p:cNvSpPr txBox="1">
             <a:spLocks/>
           </p:cNvSpPr>
@@ -13895,8 +15006,8 @@
         </p:nvSpPr>
         <p:spPr bwMode="gray">
           <a:xfrm>
-            <a:off x="1404920" y="2450316"/>
-            <a:ext cx="3458697" cy="263391"/>
+            <a:off x="1288230" y="3125713"/>
+            <a:ext cx="4328797" cy="440908"/>
           </a:xfrm>
           <a:prstGeom prst="rect">
             <a:avLst/>
@@ -13980,47 +15091,63 @@
           </a:lstStyle>
           <a:p>
             <a:r>
-              <a:rPr lang="en-US" altLang="ko-KR" sz="1400" b="1" dirty="0" smtClean="0">
-                <a:solidFill>
-                  <a:schemeClr val="accent1">
-                    <a:lumMod val="40000"/>
-                    <a:lumOff val="60000"/>
-                  </a:schemeClr>
-                </a:solidFill>
-                <a:latin typeface="+mn-ea"/>
-                <a:ea typeface="+mn-ea"/>
+              <a:rPr lang="en-US" altLang="ko-KR" sz="2000" b="1" dirty="0" smtClean="0">
+                <a:solidFill>
+                  <a:schemeClr val="accent6">
+                    <a:lumMod val="60000"/>
+                    <a:lumOff val="40000"/>
+                  </a:schemeClr>
+                </a:solidFill>
               </a:rPr>
-              <a:t>- </a:t>
-            </a:r>
-            <a:r>
-              <a:rPr lang="ko-KR" altLang="en-US" sz="1400" b="1" dirty="0" smtClean="0">
-                <a:solidFill>
-                  <a:schemeClr val="accent1">
-                    <a:lumMod val="40000"/>
-                    <a:lumOff val="60000"/>
-                  </a:schemeClr>
-                </a:solidFill>
-                <a:latin typeface="+mn-ea"/>
-                <a:ea typeface="+mn-ea"/>
+              <a:t>2. </a:t>
+            </a:r>
+            <a:r>
+              <a:rPr lang="en-US" altLang="ko-KR" sz="2000" b="1" dirty="0" err="1" smtClean="0">
+                <a:solidFill>
+                  <a:schemeClr val="accent6">
+                    <a:lumMod val="60000"/>
+                    <a:lumOff val="40000"/>
+                  </a:schemeClr>
+                </a:solidFill>
               </a:rPr>
-              <a:t>각 배포 과정에 따른 적절한 설명</a:t>
-            </a:r>
-            <a:endParaRPr lang="ko-KR" altLang="en-US" sz="1400" b="1" dirty="0">
+              <a:t>Kakao</a:t>
+            </a:r>
+            <a:r>
+              <a:rPr lang="en-US" altLang="ko-KR" sz="2000" b="1" dirty="0" smtClean="0">
+                <a:solidFill>
+                  <a:schemeClr val="accent6">
+                    <a:lumMod val="60000"/>
+                    <a:lumOff val="40000"/>
+                  </a:schemeClr>
+                </a:solidFill>
+              </a:rPr>
+              <a:t> Maps API </a:t>
+            </a:r>
+            <a:r>
+              <a:rPr lang="ko-KR" altLang="en-US" sz="2000" b="1" dirty="0" smtClean="0">
+                <a:solidFill>
+                  <a:schemeClr val="accent6">
+                    <a:lumMod val="60000"/>
+                    <a:lumOff val="40000"/>
+                  </a:schemeClr>
+                </a:solidFill>
+              </a:rPr>
+              <a:t>신청 및 확인</a:t>
+            </a:r>
+            <a:endParaRPr lang="ko-KR" altLang="en-US" sz="2000" b="1" dirty="0">
               <a:solidFill>
-                <a:schemeClr val="accent1">
-                  <a:lumMod val="40000"/>
-                  <a:lumOff val="60000"/>
+                <a:schemeClr val="accent6">
+                  <a:lumMod val="60000"/>
+                  <a:lumOff val="40000"/>
                 </a:schemeClr>
               </a:solidFill>
-              <a:latin typeface="+mn-ea"/>
-              <a:ea typeface="+mn-ea"/>
             </a:endParaRPr>
           </a:p>
         </p:txBody>
       </p:sp>
       <p:sp>
         <p:nvSpPr>
-          <p:cNvPr id="10" name="제목 5"/>
+          <p:cNvPr id="14" name="제목 5"/>
           <p:cNvSpPr txBox="1">
             <a:spLocks/>
           </p:cNvSpPr>
@@ -14028,8 +15155,8 @@
         </p:nvSpPr>
         <p:spPr bwMode="gray">
           <a:xfrm>
-            <a:off x="1404920" y="2713707"/>
-            <a:ext cx="3458697" cy="263391"/>
+            <a:off x="1288230" y="3992844"/>
+            <a:ext cx="4328797" cy="440908"/>
           </a:xfrm>
           <a:prstGeom prst="rect">
             <a:avLst/>
@@ -14113,47 +15240,162 @@
           </a:lstStyle>
           <a:p>
             <a:r>
-              <a:rPr lang="en-US" altLang="ko-KR" sz="1400" b="1" dirty="0" smtClean="0">
+              <a:rPr lang="en-US" altLang="ko-KR" sz="2000" b="1" dirty="0">
+                <a:solidFill>
+                  <a:schemeClr val="accent6">
+                    <a:lumMod val="60000"/>
+                    <a:lumOff val="40000"/>
+                  </a:schemeClr>
+                </a:solidFill>
+              </a:rPr>
+              <a:t>3</a:t>
+            </a:r>
+            <a:r>
+              <a:rPr lang="en-US" altLang="ko-KR" sz="2000" b="1" dirty="0" smtClean="0">
+                <a:solidFill>
+                  <a:schemeClr val="accent6">
+                    <a:lumMod val="60000"/>
+                    <a:lumOff val="40000"/>
+                  </a:schemeClr>
+                </a:solidFill>
+              </a:rPr>
+              <a:t>. </a:t>
+            </a:r>
+            <a:r>
+              <a:rPr lang="ko-KR" altLang="en-US" sz="2000" b="1" dirty="0" smtClean="0">
+                <a:solidFill>
+                  <a:schemeClr val="accent6">
+                    <a:lumMod val="60000"/>
+                    <a:lumOff val="40000"/>
+                  </a:schemeClr>
+                </a:solidFill>
+              </a:rPr>
+              <a:t>공공데이터를 활용한 서비스 개발</a:t>
+            </a:r>
+            <a:endParaRPr lang="ko-KR" altLang="en-US" sz="2000" b="1" dirty="0">
+              <a:solidFill>
+                <a:schemeClr val="accent6">
+                  <a:lumMod val="60000"/>
+                  <a:lumOff val="40000"/>
+                </a:schemeClr>
+              </a:solidFill>
+            </a:endParaRPr>
+          </a:p>
+        </p:txBody>
+      </p:sp>
+    </p:spTree>
+    <p:extLst>
+      <p:ext uri="{BB962C8B-B14F-4D97-AF65-F5344CB8AC3E}">
+        <p14:creationId xmlns:p14="http://schemas.microsoft.com/office/powerpoint/2010/main" val="1085042638"/>
+      </p:ext>
+    </p:extLst>
+  </p:cSld>
+  <p:clrMapOvr>
+    <a:masterClrMapping/>
+  </p:clrMapOvr>
+</p:sld>
+</file>
+
+<file path=ppt/slides/slide3.xml><?xml version="1.0" encoding="utf-8"?>
+<p:sld xmlns:a="http://schemas.openxmlformats.org/drawingml/2006/main" xmlns:r="http://schemas.openxmlformats.org/officeDocument/2006/relationships" xmlns:p="http://schemas.openxmlformats.org/presentationml/2006/main">
+  <p:cSld>
+    <p:spTree>
+      <p:nvGrpSpPr>
+        <p:cNvPr id="1" name=""/>
+        <p:cNvGrpSpPr/>
+        <p:nvPr/>
+      </p:nvGrpSpPr>
+      <p:grpSpPr>
+        <a:xfrm>
+          <a:off x="0" y="0"/>
+          <a:ext cx="0" cy="0"/>
+          <a:chOff x="0" y="0"/>
+          <a:chExt cx="0" cy="0"/>
+        </a:xfrm>
+      </p:grpSpPr>
+      <p:sp>
+        <p:nvSpPr>
+          <p:cNvPr id="6" name="제목 5"/>
+          <p:cNvSpPr>
+            <a:spLocks noGrp="1"/>
+          </p:cNvSpPr>
+          <p:nvPr>
+            <p:ph type="ctrTitle"/>
+          </p:nvPr>
+        </p:nvSpPr>
+        <p:spPr>
+          <a:xfrm>
+            <a:off x="1107452" y="926275"/>
+            <a:ext cx="6480880" cy="549765"/>
+          </a:xfrm>
+        </p:spPr>
+        <p:txBody>
+          <a:bodyPr/>
+          <a:lstStyle/>
+          <a:p>
+            <a:r>
+              <a:rPr lang="en-US" altLang="ko-KR" sz="2800" b="1" dirty="0" smtClean="0">
                 <a:solidFill>
                   <a:schemeClr val="accent1">
                     <a:lumMod val="40000"/>
                     <a:lumOff val="60000"/>
                   </a:schemeClr>
                 </a:solidFill>
-                <a:latin typeface="+mn-ea"/>
-                <a:ea typeface="+mn-ea"/>
+                <a:latin typeface="+mj-ea"/>
               </a:rPr>
-              <a:t>- </a:t>
-            </a:r>
-            <a:r>
-              <a:rPr lang="ko-KR" altLang="en-US" sz="1400" b="1" dirty="0" smtClean="0">
+              <a:t>1-1. </a:t>
+            </a:r>
+            <a:r>
+              <a:rPr lang="ko-KR" altLang="en-US" sz="2800" b="1" dirty="0" smtClean="0">
                 <a:solidFill>
                   <a:schemeClr val="accent1">
                     <a:lumMod val="40000"/>
                     <a:lumOff val="60000"/>
                   </a:schemeClr>
                 </a:solidFill>
-                <a:latin typeface="+mn-ea"/>
-                <a:ea typeface="+mn-ea"/>
+                <a:latin typeface="+mj-ea"/>
               </a:rPr>
-              <a:t>기능 동작 테스트 및 시연 화면</a:t>
-            </a:r>
-            <a:endParaRPr lang="ko-KR" altLang="en-US" sz="1400" b="1" dirty="0">
+              <a:t>공공 데이터 </a:t>
+            </a:r>
+            <a:r>
+              <a:rPr lang="en-US" altLang="ko-KR" sz="2800" b="1" dirty="0" smtClean="0">
+                <a:solidFill>
+                  <a:schemeClr val="accent1">
+                    <a:lumMod val="40000"/>
+                    <a:lumOff val="60000"/>
+                  </a:schemeClr>
+                </a:solidFill>
+                <a:latin typeface="+mj-ea"/>
+              </a:rPr>
+              <a:t>API </a:t>
+            </a:r>
+            <a:r>
+              <a:rPr lang="ko-KR" altLang="en-US" sz="2800" b="1" dirty="0" smtClean="0">
+                <a:solidFill>
+                  <a:schemeClr val="accent1">
+                    <a:lumMod val="40000"/>
+                    <a:lumOff val="60000"/>
+                  </a:schemeClr>
+                </a:solidFill>
+                <a:latin typeface="+mj-ea"/>
+              </a:rPr>
+              <a:t>신청 및 확인</a:t>
+            </a:r>
+            <a:endParaRPr lang="ko-KR" altLang="en-US" sz="2800" b="1" dirty="0">
               <a:solidFill>
                 <a:schemeClr val="accent1">
                   <a:lumMod val="40000"/>
                   <a:lumOff val="60000"/>
                 </a:schemeClr>
               </a:solidFill>
-              <a:latin typeface="+mn-ea"/>
-              <a:ea typeface="+mn-ea"/>
+              <a:latin typeface="+mj-ea"/>
             </a:endParaRPr>
           </a:p>
         </p:txBody>
       </p:sp>
       <p:sp>
         <p:nvSpPr>
-          <p:cNvPr id="13" name="제목 5"/>
+          <p:cNvPr id="19" name="제목 5"/>
           <p:cNvSpPr txBox="1">
             <a:spLocks/>
           </p:cNvSpPr>
@@ -14161,8 +15403,8 @@
         </p:nvSpPr>
         <p:spPr bwMode="gray">
           <a:xfrm>
-            <a:off x="1404919" y="2971947"/>
-            <a:ext cx="6419165" cy="263391"/>
+            <a:off x="1304830" y="1489745"/>
+            <a:ext cx="7141942" cy="330561"/>
           </a:xfrm>
           <a:prstGeom prst="rect">
             <a:avLst/>
@@ -14246,995 +15488,220 @@
           </a:lstStyle>
           <a:p>
             <a:r>
-              <a:rPr lang="en-US" altLang="ko-KR" sz="1400" b="1" dirty="0" smtClean="0">
-                <a:solidFill>
-                  <a:schemeClr val="accent1">
-                    <a:lumMod val="40000"/>
-                    <a:lumOff val="60000"/>
-                  </a:schemeClr>
-                </a:solidFill>
-                <a:latin typeface="+mn-ea"/>
-                <a:ea typeface="+mn-ea"/>
+              <a:rPr lang="en-US" altLang="ko-KR" sz="1600" b="1" dirty="0" smtClean="0">
+                <a:solidFill>
+                  <a:schemeClr val="accent6">
+                    <a:lumMod val="60000"/>
+                    <a:lumOff val="40000"/>
+                  </a:schemeClr>
+                </a:solidFill>
               </a:rPr>
-              <a:t>- </a:t>
-            </a:r>
-            <a:r>
-              <a:rPr lang="ko-KR" altLang="en-US" sz="1400" b="1" dirty="0" err="1" smtClean="0">
-                <a:solidFill>
-                  <a:schemeClr val="accent1">
-                    <a:lumMod val="40000"/>
-                    <a:lumOff val="60000"/>
-                  </a:schemeClr>
-                </a:solidFill>
-                <a:latin typeface="+mn-ea"/>
-                <a:ea typeface="+mn-ea"/>
+              <a:t>www.data.go.kr </a:t>
+            </a:r>
+            <a:r>
+              <a:rPr lang="ko-KR" altLang="en-US" sz="1600" b="1" dirty="0" smtClean="0">
+                <a:solidFill>
+                  <a:schemeClr val="accent6">
+                    <a:lumMod val="60000"/>
+                    <a:lumOff val="40000"/>
+                  </a:schemeClr>
+                </a:solidFill>
               </a:rPr>
-              <a:t>배포주소</a:t>
-            </a:r>
-            <a:r>
-              <a:rPr lang="ko-KR" altLang="en-US" sz="1400" b="1" dirty="0" smtClean="0">
-                <a:solidFill>
-                  <a:schemeClr val="accent1">
-                    <a:lumMod val="40000"/>
-                    <a:lumOff val="60000"/>
-                  </a:schemeClr>
-                </a:solidFill>
-                <a:latin typeface="+mn-ea"/>
-                <a:ea typeface="+mn-ea"/>
+              <a:t>로그인 </a:t>
+            </a:r>
+            <a:r>
+              <a:rPr lang="en-US" altLang="ko-KR" sz="1600" b="1" dirty="0" smtClean="0">
+                <a:solidFill>
+                  <a:schemeClr val="accent6">
+                    <a:lumMod val="60000"/>
+                    <a:lumOff val="40000"/>
+                  </a:schemeClr>
+                </a:solidFill>
               </a:rPr>
-              <a:t> 첨부 </a:t>
-            </a:r>
-            <a:r>
-              <a:rPr lang="en-US" altLang="ko-KR" sz="1400" b="1" dirty="0" smtClean="0">
-                <a:solidFill>
-                  <a:schemeClr val="accent1">
-                    <a:lumMod val="40000"/>
-                    <a:lumOff val="60000"/>
-                  </a:schemeClr>
-                </a:solidFill>
-                <a:latin typeface="+mn-ea"/>
-                <a:ea typeface="+mn-ea"/>
+              <a:t>– ‘</a:t>
+            </a:r>
+            <a:r>
+              <a:rPr lang="ko-KR" altLang="en-US" sz="1600" b="1" dirty="0" smtClean="0">
+                <a:solidFill>
+                  <a:schemeClr val="accent6">
+                    <a:lumMod val="60000"/>
+                    <a:lumOff val="40000"/>
+                  </a:schemeClr>
+                </a:solidFill>
               </a:rPr>
-              <a:t>(http</a:t>
-            </a:r>
-            <a:r>
-              <a:rPr lang="en-US" altLang="ko-KR" sz="1400" b="1" dirty="0">
-                <a:solidFill>
-                  <a:schemeClr val="accent1">
-                    <a:lumMod val="40000"/>
-                    <a:lumOff val="60000"/>
-                  </a:schemeClr>
-                </a:solidFill>
-                <a:latin typeface="+mn-ea"/>
-                <a:ea typeface="+mn-ea"/>
+              <a:t>부산광역시 동물병원</a:t>
+            </a:r>
+            <a:r>
+              <a:rPr lang="en-US" altLang="ko-KR" sz="1600" b="1" dirty="0" smtClean="0">
+                <a:solidFill>
+                  <a:schemeClr val="accent6">
+                    <a:lumMod val="60000"/>
+                    <a:lumOff val="40000"/>
+                  </a:schemeClr>
+                </a:solidFill>
               </a:rPr>
-              <a:t>://</a:t>
-            </a:r>
-            <a:r>
-              <a:rPr lang="en-US" altLang="ko-KR" sz="1400" b="1" dirty="0" smtClean="0">
-                <a:solidFill>
-                  <a:schemeClr val="accent1">
-                    <a:lumMod val="40000"/>
-                    <a:lumOff val="60000"/>
-                  </a:schemeClr>
-                </a:solidFill>
-                <a:latin typeface="+mn-ea"/>
-                <a:ea typeface="+mn-ea"/>
+              <a:t>’ </a:t>
+            </a:r>
+            <a:r>
+              <a:rPr lang="ko-KR" altLang="en-US" sz="1600" b="1" dirty="0" smtClean="0">
+                <a:solidFill>
+                  <a:schemeClr val="accent6">
+                    <a:lumMod val="60000"/>
+                    <a:lumOff val="40000"/>
+                  </a:schemeClr>
+                </a:solidFill>
               </a:rPr>
-              <a:t>43.201.110.159:8080/JBoard2/)</a:t>
-            </a:r>
-            <a:r>
-              <a:rPr lang="ko-KR" altLang="en-US" sz="1400" b="1" dirty="0" smtClean="0">
-                <a:solidFill>
-                  <a:schemeClr val="accent1">
-                    <a:lumMod val="40000"/>
-                    <a:lumOff val="60000"/>
-                  </a:schemeClr>
-                </a:solidFill>
-                <a:latin typeface="+mn-ea"/>
-                <a:ea typeface="+mn-ea"/>
+              <a:t>검색 </a:t>
+            </a:r>
+            <a:r>
+              <a:rPr lang="en-US" altLang="ko-KR" sz="1600" b="1" dirty="0" smtClean="0">
+                <a:solidFill>
+                  <a:schemeClr val="accent6">
+                    <a:lumMod val="60000"/>
+                    <a:lumOff val="40000"/>
+                  </a:schemeClr>
+                </a:solidFill>
               </a:rPr>
-              <a:t> </a:t>
-            </a:r>
-            <a:endParaRPr lang="ko-KR" altLang="en-US" sz="1400" b="1" dirty="0">
+              <a:t>– </a:t>
+            </a:r>
+            <a:r>
+              <a:rPr lang="ko-KR" altLang="en-US" sz="1600" b="1" dirty="0" smtClean="0">
+                <a:solidFill>
+                  <a:schemeClr val="accent6">
+                    <a:lumMod val="60000"/>
+                    <a:lumOff val="40000"/>
+                  </a:schemeClr>
+                </a:solidFill>
+              </a:rPr>
+              <a:t>오픈 </a:t>
+            </a:r>
+            <a:r>
+              <a:rPr lang="en-US" altLang="ko-KR" sz="1600" b="1" dirty="0" smtClean="0">
+                <a:solidFill>
+                  <a:schemeClr val="accent6">
+                    <a:lumMod val="60000"/>
+                    <a:lumOff val="40000"/>
+                  </a:schemeClr>
+                </a:solidFill>
+              </a:rPr>
+              <a:t>API </a:t>
+            </a:r>
+            <a:r>
+              <a:rPr lang="ko-KR" altLang="en-US" sz="1600" b="1" dirty="0" smtClean="0">
+                <a:solidFill>
+                  <a:schemeClr val="accent6">
+                    <a:lumMod val="60000"/>
+                    <a:lumOff val="40000"/>
+                  </a:schemeClr>
+                </a:solidFill>
+              </a:rPr>
+              <a:t>확인</a:t>
+            </a:r>
+            <a:endParaRPr lang="ko-KR" altLang="en-US" sz="1600" b="1" dirty="0">
               <a:solidFill>
-                <a:schemeClr val="accent1">
-                  <a:lumMod val="40000"/>
-                  <a:lumOff val="60000"/>
-                </a:schemeClr>
-              </a:solidFill>
-              <a:latin typeface="+mn-ea"/>
-              <a:ea typeface="+mn-ea"/>
-            </a:endParaRPr>
-          </a:p>
-        </p:txBody>
-      </p:sp>
-      <p:sp>
-        <p:nvSpPr>
-          <p:cNvPr id="16" name="제목 5"/>
-          <p:cNvSpPr txBox="1">
-            <a:spLocks/>
-          </p:cNvSpPr>
-          <p:nvPr/>
-        </p:nvSpPr>
-        <p:spPr bwMode="gray">
-          <a:xfrm>
-            <a:off x="1288232" y="3521416"/>
-            <a:ext cx="3575384" cy="440908"/>
-          </a:xfrm>
-          <a:prstGeom prst="rect">
-            <a:avLst/>
-          </a:prstGeom>
-        </p:spPr>
-        <p:txBody>
-          <a:bodyPr vert="horz" lIns="91440" tIns="45720" rIns="91440" bIns="45720" rtlCol="0" anchor="b">
-            <a:noAutofit/>
-          </a:bodyPr>
-          <a:lstStyle>
-            <a:lvl1pPr algn="l" defTabSz="457200" rtl="0" eaLnBrk="1" latinLnBrk="1" hangingPunct="1">
-              <a:spcBef>
-                <a:spcPct val="0"/>
-              </a:spcBef>
-              <a:buNone/>
-              <a:defRPr sz="5400" b="0" i="0" kern="1200">
-                <a:solidFill>
-                  <a:schemeClr val="bg2"/>
-                </a:solidFill>
-                <a:latin typeface="+mj-lt"/>
-                <a:ea typeface="+mj-ea"/>
-                <a:cs typeface="+mj-cs"/>
-              </a:defRPr>
-            </a:lvl1pPr>
-            <a:lvl2pPr eaLnBrk="1" latinLnBrk="1" hangingPunct="1">
-              <a:defRPr>
-                <a:solidFill>
-                  <a:schemeClr val="tx2"/>
-                </a:solidFill>
-              </a:defRPr>
-            </a:lvl2pPr>
-            <a:lvl3pPr eaLnBrk="1" latinLnBrk="1" hangingPunct="1">
-              <a:defRPr>
-                <a:solidFill>
-                  <a:schemeClr val="tx2"/>
-                </a:solidFill>
-              </a:defRPr>
-            </a:lvl3pPr>
-            <a:lvl4pPr eaLnBrk="1" latinLnBrk="1" hangingPunct="1">
-              <a:defRPr>
-                <a:solidFill>
-                  <a:schemeClr val="tx2"/>
-                </a:solidFill>
-              </a:defRPr>
-            </a:lvl4pPr>
-            <a:lvl5pPr eaLnBrk="1" latinLnBrk="1" hangingPunct="1">
-              <a:defRPr>
-                <a:solidFill>
-                  <a:schemeClr val="tx2"/>
-                </a:solidFill>
-              </a:defRPr>
-            </a:lvl5pPr>
-            <a:lvl6pPr eaLnBrk="1" latinLnBrk="1" hangingPunct="1">
-              <a:defRPr>
-                <a:solidFill>
-                  <a:schemeClr val="tx2"/>
-                </a:solidFill>
-              </a:defRPr>
-            </a:lvl6pPr>
-            <a:lvl7pPr eaLnBrk="1" latinLnBrk="1" hangingPunct="1">
-              <a:defRPr>
-                <a:solidFill>
-                  <a:schemeClr val="tx2"/>
-                </a:solidFill>
-              </a:defRPr>
-            </a:lvl7pPr>
-            <a:lvl8pPr eaLnBrk="1" latinLnBrk="1" hangingPunct="1">
-              <a:defRPr>
-                <a:solidFill>
-                  <a:schemeClr val="tx2"/>
-                </a:solidFill>
-              </a:defRPr>
-            </a:lvl8pPr>
-            <a:lvl9pPr eaLnBrk="1" latinLnBrk="1" hangingPunct="1">
-              <a:defRPr>
-                <a:solidFill>
-                  <a:schemeClr val="tx2"/>
-                </a:solidFill>
-              </a:defRPr>
-            </a:lvl9pPr>
-          </a:lstStyle>
-          <a:p>
-            <a:r>
-              <a:rPr lang="ko-KR" altLang="en-US" sz="2000" b="1" dirty="0" smtClean="0">
-                <a:solidFill>
-                  <a:schemeClr val="accent1">
-                    <a:lumMod val="40000"/>
-                    <a:lumOff val="60000"/>
-                  </a:schemeClr>
-                </a:solidFill>
-              </a:rPr>
-              <a:t>테스트 항목</a:t>
-            </a:r>
-            <a:endParaRPr lang="ko-KR" altLang="en-US" sz="2000" b="1" dirty="0">
-              <a:solidFill>
-                <a:schemeClr val="accent1">
-                  <a:lumMod val="40000"/>
-                  <a:lumOff val="60000"/>
+                <a:schemeClr val="accent6">
+                  <a:lumMod val="60000"/>
+                  <a:lumOff val="40000"/>
                 </a:schemeClr>
               </a:solidFill>
             </a:endParaRPr>
           </a:p>
         </p:txBody>
       </p:sp>
-      <p:sp>
-        <p:nvSpPr>
-          <p:cNvPr id="17" name="제목 5"/>
-          <p:cNvSpPr txBox="1">
-            <a:spLocks/>
-          </p:cNvSpPr>
+      <p:pic>
+        <p:nvPicPr>
+          <p:cNvPr id="4" name="그림 3"/>
+          <p:cNvPicPr>
+            <a:picLocks noChangeAspect="1"/>
+          </p:cNvPicPr>
           <p:nvPr/>
-        </p:nvSpPr>
-        <p:spPr bwMode="gray">
+        </p:nvPicPr>
+        <p:blipFill>
+          <a:blip r:embed="rId2">
+            <a:extLst>
+              <a:ext uri="{28A0092B-C50C-407E-A947-70E740481C1C}">
+                <a14:useLocalDpi xmlns:a14="http://schemas.microsoft.com/office/drawing/2010/main" val="0"/>
+              </a:ext>
+            </a:extLst>
+          </a:blip>
+          <a:stretch>
+            <a:fillRect/>
+          </a:stretch>
+        </p:blipFill>
+        <p:spPr>
           <a:xfrm>
-            <a:off x="1404919" y="4010030"/>
-            <a:ext cx="3458697" cy="263391"/>
+            <a:off x="1304830" y="1930142"/>
+            <a:ext cx="5467361" cy="3097593"/>
           </a:xfrm>
           <a:prstGeom prst="rect">
             <a:avLst/>
           </a:prstGeom>
         </p:spPr>
-        <p:txBody>
-          <a:bodyPr vert="horz" lIns="91440" tIns="45720" rIns="91440" bIns="45720" rtlCol="0" anchor="b">
-            <a:noAutofit/>
-          </a:bodyPr>
-          <a:lstStyle>
-            <a:lvl1pPr algn="l" defTabSz="457200" rtl="0" eaLnBrk="1" latinLnBrk="1" hangingPunct="1">
-              <a:spcBef>
-                <a:spcPct val="0"/>
-              </a:spcBef>
-              <a:buNone/>
-              <a:defRPr sz="5400" b="0" i="0" kern="1200">
-                <a:solidFill>
-                  <a:schemeClr val="bg2"/>
-                </a:solidFill>
-                <a:latin typeface="+mj-lt"/>
-                <a:ea typeface="+mj-ea"/>
-                <a:cs typeface="+mj-cs"/>
-              </a:defRPr>
-            </a:lvl1pPr>
-            <a:lvl2pPr eaLnBrk="1" latinLnBrk="1" hangingPunct="1">
-              <a:defRPr>
-                <a:solidFill>
-                  <a:schemeClr val="tx2"/>
-                </a:solidFill>
-              </a:defRPr>
-            </a:lvl2pPr>
-            <a:lvl3pPr eaLnBrk="1" latinLnBrk="1" hangingPunct="1">
-              <a:defRPr>
-                <a:solidFill>
-                  <a:schemeClr val="tx2"/>
-                </a:solidFill>
-              </a:defRPr>
-            </a:lvl3pPr>
-            <a:lvl4pPr eaLnBrk="1" latinLnBrk="1" hangingPunct="1">
-              <a:defRPr>
-                <a:solidFill>
-                  <a:schemeClr val="tx2"/>
-                </a:solidFill>
-              </a:defRPr>
-            </a:lvl4pPr>
-            <a:lvl5pPr eaLnBrk="1" latinLnBrk="1" hangingPunct="1">
-              <a:defRPr>
-                <a:solidFill>
-                  <a:schemeClr val="tx2"/>
-                </a:solidFill>
-              </a:defRPr>
-            </a:lvl5pPr>
-            <a:lvl6pPr eaLnBrk="1" latinLnBrk="1" hangingPunct="1">
-              <a:defRPr>
-                <a:solidFill>
-                  <a:schemeClr val="tx2"/>
-                </a:solidFill>
-              </a:defRPr>
-            </a:lvl6pPr>
-            <a:lvl7pPr eaLnBrk="1" latinLnBrk="1" hangingPunct="1">
-              <a:defRPr>
-                <a:solidFill>
-                  <a:schemeClr val="tx2"/>
-                </a:solidFill>
-              </a:defRPr>
-            </a:lvl7pPr>
-            <a:lvl8pPr eaLnBrk="1" latinLnBrk="1" hangingPunct="1">
-              <a:defRPr>
-                <a:solidFill>
-                  <a:schemeClr val="tx2"/>
-                </a:solidFill>
-              </a:defRPr>
-            </a:lvl8pPr>
-            <a:lvl9pPr eaLnBrk="1" latinLnBrk="1" hangingPunct="1">
-              <a:defRPr>
-                <a:solidFill>
-                  <a:schemeClr val="tx2"/>
-                </a:solidFill>
-              </a:defRPr>
-            </a:lvl9pPr>
-          </a:lstStyle>
-          <a:p>
-            <a:r>
-              <a:rPr lang="en-US" altLang="ko-KR" sz="1400" b="1" dirty="0" smtClean="0">
-                <a:solidFill>
-                  <a:schemeClr val="accent1">
-                    <a:lumMod val="40000"/>
-                    <a:lumOff val="60000"/>
-                  </a:schemeClr>
-                </a:solidFill>
-                <a:latin typeface="+mn-ea"/>
-                <a:ea typeface="+mn-ea"/>
-              </a:rPr>
-              <a:t>- </a:t>
-            </a:r>
-            <a:r>
-              <a:rPr lang="ko-KR" altLang="en-US" sz="1400" b="1" dirty="0" smtClean="0">
-                <a:solidFill>
-                  <a:schemeClr val="accent1">
-                    <a:lumMod val="40000"/>
-                    <a:lumOff val="60000"/>
-                  </a:schemeClr>
-                </a:solidFill>
-                <a:latin typeface="+mn-ea"/>
-                <a:ea typeface="+mn-ea"/>
-              </a:rPr>
-              <a:t>로그인</a:t>
-            </a:r>
-            <a:endParaRPr lang="ko-KR" altLang="en-US" sz="1400" b="1" dirty="0">
-              <a:solidFill>
-                <a:schemeClr val="accent1">
-                  <a:lumMod val="40000"/>
-                  <a:lumOff val="60000"/>
-                </a:schemeClr>
-              </a:solidFill>
-              <a:latin typeface="+mn-ea"/>
-              <a:ea typeface="+mn-ea"/>
-            </a:endParaRPr>
-          </a:p>
-        </p:txBody>
-      </p:sp>
-      <p:sp>
-        <p:nvSpPr>
-          <p:cNvPr id="18" name="제목 5"/>
-          <p:cNvSpPr txBox="1">
-            <a:spLocks/>
-          </p:cNvSpPr>
+      </p:pic>
+      <p:pic>
+        <p:nvPicPr>
+          <p:cNvPr id="8" name="그림 7"/>
+          <p:cNvPicPr>
+            <a:picLocks noChangeAspect="1"/>
+          </p:cNvPicPr>
           <p:nvPr/>
-        </p:nvSpPr>
-        <p:spPr bwMode="gray">
+        </p:nvPicPr>
+        <p:blipFill>
+          <a:blip r:embed="rId3">
+            <a:extLst>
+              <a:ext uri="{28A0092B-C50C-407E-A947-70E740481C1C}">
+                <a14:useLocalDpi xmlns:a14="http://schemas.microsoft.com/office/drawing/2010/main" val="0"/>
+              </a:ext>
+            </a:extLst>
+          </a:blip>
+          <a:stretch>
+            <a:fillRect/>
+          </a:stretch>
+        </p:blipFill>
+        <p:spPr>
           <a:xfrm>
-            <a:off x="1404918" y="4260511"/>
-            <a:ext cx="3458697" cy="263391"/>
+            <a:off x="7079667" y="1930142"/>
+            <a:ext cx="3974467" cy="2214346"/>
           </a:xfrm>
           <a:prstGeom prst="rect">
             <a:avLst/>
           </a:prstGeom>
         </p:spPr>
-        <p:txBody>
-          <a:bodyPr vert="horz" lIns="91440" tIns="45720" rIns="91440" bIns="45720" rtlCol="0" anchor="b">
-            <a:noAutofit/>
-          </a:bodyPr>
-          <a:lstStyle>
-            <a:lvl1pPr algn="l" defTabSz="457200" rtl="0" eaLnBrk="1" latinLnBrk="1" hangingPunct="1">
-              <a:spcBef>
-                <a:spcPct val="0"/>
-              </a:spcBef>
-              <a:buNone/>
-              <a:defRPr sz="5400" b="0" i="0" kern="1200">
-                <a:solidFill>
-                  <a:schemeClr val="bg2"/>
-                </a:solidFill>
-                <a:latin typeface="+mj-lt"/>
-                <a:ea typeface="+mj-ea"/>
-                <a:cs typeface="+mj-cs"/>
-              </a:defRPr>
-            </a:lvl1pPr>
-            <a:lvl2pPr eaLnBrk="1" latinLnBrk="1" hangingPunct="1">
-              <a:defRPr>
-                <a:solidFill>
-                  <a:schemeClr val="tx2"/>
-                </a:solidFill>
-              </a:defRPr>
-            </a:lvl2pPr>
-            <a:lvl3pPr eaLnBrk="1" latinLnBrk="1" hangingPunct="1">
-              <a:defRPr>
-                <a:solidFill>
-                  <a:schemeClr val="tx2"/>
-                </a:solidFill>
-              </a:defRPr>
-            </a:lvl3pPr>
-            <a:lvl4pPr eaLnBrk="1" latinLnBrk="1" hangingPunct="1">
-              <a:defRPr>
-                <a:solidFill>
-                  <a:schemeClr val="tx2"/>
-                </a:solidFill>
-              </a:defRPr>
-            </a:lvl4pPr>
-            <a:lvl5pPr eaLnBrk="1" latinLnBrk="1" hangingPunct="1">
-              <a:defRPr>
-                <a:solidFill>
-                  <a:schemeClr val="tx2"/>
-                </a:solidFill>
-              </a:defRPr>
-            </a:lvl5pPr>
-            <a:lvl6pPr eaLnBrk="1" latinLnBrk="1" hangingPunct="1">
-              <a:defRPr>
-                <a:solidFill>
-                  <a:schemeClr val="tx2"/>
-                </a:solidFill>
-              </a:defRPr>
-            </a:lvl6pPr>
-            <a:lvl7pPr eaLnBrk="1" latinLnBrk="1" hangingPunct="1">
-              <a:defRPr>
-                <a:solidFill>
-                  <a:schemeClr val="tx2"/>
-                </a:solidFill>
-              </a:defRPr>
-            </a:lvl7pPr>
-            <a:lvl8pPr eaLnBrk="1" latinLnBrk="1" hangingPunct="1">
-              <a:defRPr>
-                <a:solidFill>
-                  <a:schemeClr val="tx2"/>
-                </a:solidFill>
-              </a:defRPr>
-            </a:lvl8pPr>
-            <a:lvl9pPr eaLnBrk="1" latinLnBrk="1" hangingPunct="1">
-              <a:defRPr>
-                <a:solidFill>
-                  <a:schemeClr val="tx2"/>
-                </a:solidFill>
-              </a:defRPr>
-            </a:lvl9pPr>
-          </a:lstStyle>
-          <a:p>
-            <a:r>
-              <a:rPr lang="en-US" altLang="ko-KR" sz="1400" b="1" dirty="0" smtClean="0">
-                <a:solidFill>
-                  <a:schemeClr val="accent1">
-                    <a:lumMod val="40000"/>
-                    <a:lumOff val="60000"/>
-                  </a:schemeClr>
-                </a:solidFill>
-                <a:latin typeface="+mn-ea"/>
-                <a:ea typeface="+mn-ea"/>
-              </a:rPr>
-              <a:t>- </a:t>
-            </a:r>
-            <a:r>
-              <a:rPr lang="ko-KR" altLang="en-US" sz="1400" b="1" dirty="0" smtClean="0">
-                <a:solidFill>
-                  <a:schemeClr val="accent1">
-                    <a:lumMod val="40000"/>
-                    <a:lumOff val="60000"/>
-                  </a:schemeClr>
-                </a:solidFill>
-                <a:latin typeface="+mn-ea"/>
-                <a:ea typeface="+mn-ea"/>
-              </a:rPr>
-              <a:t>목록</a:t>
-            </a:r>
-            <a:r>
-              <a:rPr lang="en-US" altLang="ko-KR" sz="1400" b="1" dirty="0" smtClean="0">
-                <a:solidFill>
-                  <a:schemeClr val="accent1">
-                    <a:lumMod val="40000"/>
-                    <a:lumOff val="60000"/>
-                  </a:schemeClr>
-                </a:solidFill>
-                <a:latin typeface="+mn-ea"/>
-                <a:ea typeface="+mn-ea"/>
-              </a:rPr>
-              <a:t>, </a:t>
-            </a:r>
-            <a:r>
-              <a:rPr lang="ko-KR" altLang="en-US" sz="1400" b="1" dirty="0" smtClean="0">
-                <a:solidFill>
-                  <a:schemeClr val="accent1">
-                    <a:lumMod val="40000"/>
-                    <a:lumOff val="60000"/>
-                  </a:schemeClr>
-                </a:solidFill>
-                <a:latin typeface="+mn-ea"/>
-                <a:ea typeface="+mn-ea"/>
-              </a:rPr>
-              <a:t>글쓰기</a:t>
-            </a:r>
-            <a:r>
-              <a:rPr lang="en-US" altLang="ko-KR" sz="1400" b="1" dirty="0" smtClean="0">
-                <a:solidFill>
-                  <a:schemeClr val="accent1">
-                    <a:lumMod val="40000"/>
-                    <a:lumOff val="60000"/>
-                  </a:schemeClr>
-                </a:solidFill>
-                <a:latin typeface="+mn-ea"/>
-                <a:ea typeface="+mn-ea"/>
-              </a:rPr>
-              <a:t>, </a:t>
-            </a:r>
-            <a:r>
-              <a:rPr lang="ko-KR" altLang="en-US" sz="1400" b="1" dirty="0" err="1" smtClean="0">
-                <a:solidFill>
-                  <a:schemeClr val="accent1">
-                    <a:lumMod val="40000"/>
-                    <a:lumOff val="60000"/>
-                  </a:schemeClr>
-                </a:solidFill>
-                <a:latin typeface="+mn-ea"/>
-                <a:ea typeface="+mn-ea"/>
-              </a:rPr>
-              <a:t>글보기</a:t>
-            </a:r>
-            <a:r>
-              <a:rPr lang="en-US" altLang="ko-KR" sz="1400" b="1" dirty="0" smtClean="0">
-                <a:solidFill>
-                  <a:schemeClr val="accent1">
-                    <a:lumMod val="40000"/>
-                    <a:lumOff val="60000"/>
-                  </a:schemeClr>
-                </a:solidFill>
-                <a:latin typeface="+mn-ea"/>
-                <a:ea typeface="+mn-ea"/>
-              </a:rPr>
-              <a:t>, </a:t>
-            </a:r>
-            <a:r>
-              <a:rPr lang="ko-KR" altLang="en-US" sz="1400" b="1" dirty="0" err="1" smtClean="0">
-                <a:solidFill>
-                  <a:schemeClr val="accent1">
-                    <a:lumMod val="40000"/>
-                    <a:lumOff val="60000"/>
-                  </a:schemeClr>
-                </a:solidFill>
-                <a:latin typeface="+mn-ea"/>
-                <a:ea typeface="+mn-ea"/>
-              </a:rPr>
-              <a:t>글삭제</a:t>
-            </a:r>
-            <a:r>
-              <a:rPr lang="en-US" altLang="ko-KR" sz="1400" b="1" dirty="0" smtClean="0">
-                <a:solidFill>
-                  <a:schemeClr val="accent1">
-                    <a:lumMod val="40000"/>
-                    <a:lumOff val="60000"/>
-                  </a:schemeClr>
-                </a:solidFill>
-                <a:latin typeface="+mn-ea"/>
-                <a:ea typeface="+mn-ea"/>
-              </a:rPr>
-              <a:t>, </a:t>
-            </a:r>
-            <a:r>
-              <a:rPr lang="ko-KR" altLang="en-US" sz="1400" b="1" dirty="0" err="1" smtClean="0">
-                <a:solidFill>
-                  <a:schemeClr val="accent1">
-                    <a:lumMod val="40000"/>
-                    <a:lumOff val="60000"/>
-                  </a:schemeClr>
-                </a:solidFill>
-                <a:latin typeface="+mn-ea"/>
-                <a:ea typeface="+mn-ea"/>
-              </a:rPr>
-              <a:t>글수정</a:t>
-            </a:r>
-            <a:endParaRPr lang="ko-KR" altLang="en-US" sz="1400" b="1" dirty="0">
-              <a:solidFill>
-                <a:schemeClr val="accent1">
-                  <a:lumMod val="40000"/>
-                  <a:lumOff val="60000"/>
-                </a:schemeClr>
-              </a:solidFill>
-              <a:latin typeface="+mn-ea"/>
-              <a:ea typeface="+mn-ea"/>
-            </a:endParaRPr>
-          </a:p>
-        </p:txBody>
-      </p:sp>
-      <p:sp>
-        <p:nvSpPr>
-          <p:cNvPr id="19" name="제목 5"/>
-          <p:cNvSpPr txBox="1">
-            <a:spLocks/>
-          </p:cNvSpPr>
+      </p:pic>
+      <p:pic>
+        <p:nvPicPr>
+          <p:cNvPr id="11" name="그림 10"/>
+          <p:cNvPicPr>
+            <a:picLocks noChangeAspect="1"/>
+          </p:cNvPicPr>
           <p:nvPr/>
-        </p:nvSpPr>
-        <p:spPr bwMode="gray">
+        </p:nvPicPr>
+        <p:blipFill>
+          <a:blip r:embed="rId4">
+            <a:extLst>
+              <a:ext uri="{28A0092B-C50C-407E-A947-70E740481C1C}">
+                <a14:useLocalDpi xmlns:a14="http://schemas.microsoft.com/office/drawing/2010/main" val="0"/>
+              </a:ext>
+            </a:extLst>
+          </a:blip>
+          <a:stretch>
+            <a:fillRect/>
+          </a:stretch>
+        </p:blipFill>
+        <p:spPr>
           <a:xfrm>
-            <a:off x="1404918" y="4523902"/>
-            <a:ext cx="4924320" cy="263391"/>
+            <a:off x="7079667" y="4242449"/>
+            <a:ext cx="3974467" cy="1591842"/>
           </a:xfrm>
           <a:prstGeom prst="rect">
             <a:avLst/>
           </a:prstGeom>
         </p:spPr>
-        <p:txBody>
-          <a:bodyPr vert="horz" lIns="91440" tIns="45720" rIns="91440" bIns="45720" rtlCol="0" anchor="b">
-            <a:noAutofit/>
-          </a:bodyPr>
-          <a:lstStyle>
-            <a:lvl1pPr algn="l" defTabSz="457200" rtl="0" eaLnBrk="1" latinLnBrk="1" hangingPunct="1">
-              <a:spcBef>
-                <a:spcPct val="0"/>
-              </a:spcBef>
-              <a:buNone/>
-              <a:defRPr sz="5400" b="0" i="0" kern="1200">
-                <a:solidFill>
-                  <a:schemeClr val="bg2"/>
-                </a:solidFill>
-                <a:latin typeface="+mj-lt"/>
-                <a:ea typeface="+mj-ea"/>
-                <a:cs typeface="+mj-cs"/>
-              </a:defRPr>
-            </a:lvl1pPr>
-            <a:lvl2pPr eaLnBrk="1" latinLnBrk="1" hangingPunct="1">
-              <a:defRPr>
-                <a:solidFill>
-                  <a:schemeClr val="tx2"/>
-                </a:solidFill>
-              </a:defRPr>
-            </a:lvl2pPr>
-            <a:lvl3pPr eaLnBrk="1" latinLnBrk="1" hangingPunct="1">
-              <a:defRPr>
-                <a:solidFill>
-                  <a:schemeClr val="tx2"/>
-                </a:solidFill>
-              </a:defRPr>
-            </a:lvl3pPr>
-            <a:lvl4pPr eaLnBrk="1" latinLnBrk="1" hangingPunct="1">
-              <a:defRPr>
-                <a:solidFill>
-                  <a:schemeClr val="tx2"/>
-                </a:solidFill>
-              </a:defRPr>
-            </a:lvl4pPr>
-            <a:lvl5pPr eaLnBrk="1" latinLnBrk="1" hangingPunct="1">
-              <a:defRPr>
-                <a:solidFill>
-                  <a:schemeClr val="tx2"/>
-                </a:solidFill>
-              </a:defRPr>
-            </a:lvl5pPr>
-            <a:lvl6pPr eaLnBrk="1" latinLnBrk="1" hangingPunct="1">
-              <a:defRPr>
-                <a:solidFill>
-                  <a:schemeClr val="tx2"/>
-                </a:solidFill>
-              </a:defRPr>
-            </a:lvl6pPr>
-            <a:lvl7pPr eaLnBrk="1" latinLnBrk="1" hangingPunct="1">
-              <a:defRPr>
-                <a:solidFill>
-                  <a:schemeClr val="tx2"/>
-                </a:solidFill>
-              </a:defRPr>
-            </a:lvl7pPr>
-            <a:lvl8pPr eaLnBrk="1" latinLnBrk="1" hangingPunct="1">
-              <a:defRPr>
-                <a:solidFill>
-                  <a:schemeClr val="tx2"/>
-                </a:solidFill>
-              </a:defRPr>
-            </a:lvl8pPr>
-            <a:lvl9pPr eaLnBrk="1" latinLnBrk="1" hangingPunct="1">
-              <a:defRPr>
-                <a:solidFill>
-                  <a:schemeClr val="tx2"/>
-                </a:solidFill>
-              </a:defRPr>
-            </a:lvl9pPr>
-          </a:lstStyle>
-          <a:p>
-            <a:r>
-              <a:rPr lang="en-US" altLang="ko-KR" sz="1400" b="1" dirty="0" smtClean="0">
-                <a:solidFill>
-                  <a:schemeClr val="accent1">
-                    <a:lumMod val="40000"/>
-                    <a:lumOff val="60000"/>
-                  </a:schemeClr>
-                </a:solidFill>
-                <a:latin typeface="+mn-ea"/>
-                <a:ea typeface="+mn-ea"/>
-              </a:rPr>
-              <a:t>- </a:t>
-            </a:r>
-            <a:r>
-              <a:rPr lang="ko-KR" altLang="en-US" sz="1400" b="1" dirty="0" smtClean="0">
-                <a:solidFill>
-                  <a:schemeClr val="accent1">
-                    <a:lumMod val="40000"/>
-                    <a:lumOff val="60000"/>
-                  </a:schemeClr>
-                </a:solidFill>
-                <a:latin typeface="+mn-ea"/>
-                <a:ea typeface="+mn-ea"/>
-              </a:rPr>
-              <a:t>파일 첨부</a:t>
-            </a:r>
-            <a:r>
-              <a:rPr lang="en-US" altLang="ko-KR" sz="1400" b="1" dirty="0" smtClean="0">
-                <a:solidFill>
-                  <a:schemeClr val="accent1">
-                    <a:lumMod val="40000"/>
-                    <a:lumOff val="60000"/>
-                  </a:schemeClr>
-                </a:solidFill>
-                <a:latin typeface="+mn-ea"/>
-                <a:ea typeface="+mn-ea"/>
-              </a:rPr>
-              <a:t>(</a:t>
-            </a:r>
-            <a:r>
-              <a:rPr lang="ko-KR" altLang="en-US" sz="1400" b="1" dirty="0" smtClean="0">
-                <a:solidFill>
-                  <a:schemeClr val="accent1">
-                    <a:lumMod val="40000"/>
-                    <a:lumOff val="60000"/>
-                  </a:schemeClr>
-                </a:solidFill>
-                <a:latin typeface="+mn-ea"/>
-                <a:ea typeface="+mn-ea"/>
-              </a:rPr>
-              <a:t>실제 </a:t>
-            </a:r>
-            <a:r>
-              <a:rPr lang="en-US" altLang="ko-KR" sz="1400" b="1" dirty="0" smtClean="0">
-                <a:solidFill>
-                  <a:schemeClr val="accent1">
-                    <a:lumMod val="40000"/>
-                    <a:lumOff val="60000"/>
-                  </a:schemeClr>
-                </a:solidFill>
-                <a:latin typeface="+mn-ea"/>
-                <a:ea typeface="+mn-ea"/>
-              </a:rPr>
-              <a:t>AWS file </a:t>
-            </a:r>
-            <a:r>
-              <a:rPr lang="ko-KR" altLang="en-US" sz="1400" b="1" dirty="0" smtClean="0">
-                <a:solidFill>
-                  <a:schemeClr val="accent1">
-                    <a:lumMod val="40000"/>
-                    <a:lumOff val="60000"/>
-                  </a:schemeClr>
-                </a:solidFill>
-                <a:latin typeface="+mn-ea"/>
-                <a:ea typeface="+mn-ea"/>
-              </a:rPr>
-              <a:t>디렉터리 파일 저장 확인</a:t>
-            </a:r>
-            <a:r>
-              <a:rPr lang="en-US" altLang="ko-KR" sz="1400" b="1" dirty="0" smtClean="0">
-                <a:solidFill>
-                  <a:schemeClr val="accent1">
-                    <a:lumMod val="40000"/>
-                    <a:lumOff val="60000"/>
-                  </a:schemeClr>
-                </a:solidFill>
-                <a:latin typeface="+mn-ea"/>
-                <a:ea typeface="+mn-ea"/>
-              </a:rPr>
-              <a:t>)</a:t>
-            </a:r>
-            <a:endParaRPr lang="ko-KR" altLang="en-US" sz="1400" b="1" dirty="0">
-              <a:solidFill>
-                <a:schemeClr val="accent1">
-                  <a:lumMod val="40000"/>
-                  <a:lumOff val="60000"/>
-                </a:schemeClr>
-              </a:solidFill>
-              <a:latin typeface="+mn-ea"/>
-              <a:ea typeface="+mn-ea"/>
-            </a:endParaRPr>
-          </a:p>
-        </p:txBody>
-      </p:sp>
-      <p:sp>
-        <p:nvSpPr>
-          <p:cNvPr id="20" name="제목 5"/>
-          <p:cNvSpPr txBox="1">
-            <a:spLocks/>
-          </p:cNvSpPr>
-          <p:nvPr/>
-        </p:nvSpPr>
-        <p:spPr bwMode="gray">
-          <a:xfrm>
-            <a:off x="1404918" y="4782142"/>
-            <a:ext cx="4924320" cy="263391"/>
-          </a:xfrm>
-          <a:prstGeom prst="rect">
-            <a:avLst/>
-          </a:prstGeom>
-        </p:spPr>
-        <p:txBody>
-          <a:bodyPr vert="horz" lIns="91440" tIns="45720" rIns="91440" bIns="45720" rtlCol="0" anchor="b">
-            <a:noAutofit/>
-          </a:bodyPr>
-          <a:lstStyle>
-            <a:lvl1pPr algn="l" defTabSz="457200" rtl="0" eaLnBrk="1" latinLnBrk="1" hangingPunct="1">
-              <a:spcBef>
-                <a:spcPct val="0"/>
-              </a:spcBef>
-              <a:buNone/>
-              <a:defRPr sz="5400" b="0" i="0" kern="1200">
-                <a:solidFill>
-                  <a:schemeClr val="bg2"/>
-                </a:solidFill>
-                <a:latin typeface="+mj-lt"/>
-                <a:ea typeface="+mj-ea"/>
-                <a:cs typeface="+mj-cs"/>
-              </a:defRPr>
-            </a:lvl1pPr>
-            <a:lvl2pPr eaLnBrk="1" latinLnBrk="1" hangingPunct="1">
-              <a:defRPr>
-                <a:solidFill>
-                  <a:schemeClr val="tx2"/>
-                </a:solidFill>
-              </a:defRPr>
-            </a:lvl2pPr>
-            <a:lvl3pPr eaLnBrk="1" latinLnBrk="1" hangingPunct="1">
-              <a:defRPr>
-                <a:solidFill>
-                  <a:schemeClr val="tx2"/>
-                </a:solidFill>
-              </a:defRPr>
-            </a:lvl3pPr>
-            <a:lvl4pPr eaLnBrk="1" latinLnBrk="1" hangingPunct="1">
-              <a:defRPr>
-                <a:solidFill>
-                  <a:schemeClr val="tx2"/>
-                </a:solidFill>
-              </a:defRPr>
-            </a:lvl4pPr>
-            <a:lvl5pPr eaLnBrk="1" latinLnBrk="1" hangingPunct="1">
-              <a:defRPr>
-                <a:solidFill>
-                  <a:schemeClr val="tx2"/>
-                </a:solidFill>
-              </a:defRPr>
-            </a:lvl5pPr>
-            <a:lvl6pPr eaLnBrk="1" latinLnBrk="1" hangingPunct="1">
-              <a:defRPr>
-                <a:solidFill>
-                  <a:schemeClr val="tx2"/>
-                </a:solidFill>
-              </a:defRPr>
-            </a:lvl6pPr>
-            <a:lvl7pPr eaLnBrk="1" latinLnBrk="1" hangingPunct="1">
-              <a:defRPr>
-                <a:solidFill>
-                  <a:schemeClr val="tx2"/>
-                </a:solidFill>
-              </a:defRPr>
-            </a:lvl7pPr>
-            <a:lvl8pPr eaLnBrk="1" latinLnBrk="1" hangingPunct="1">
-              <a:defRPr>
-                <a:solidFill>
-                  <a:schemeClr val="tx2"/>
-                </a:solidFill>
-              </a:defRPr>
-            </a:lvl8pPr>
-            <a:lvl9pPr eaLnBrk="1" latinLnBrk="1" hangingPunct="1">
-              <a:defRPr>
-                <a:solidFill>
-                  <a:schemeClr val="tx2"/>
-                </a:solidFill>
-              </a:defRPr>
-            </a:lvl9pPr>
-          </a:lstStyle>
-          <a:p>
-            <a:r>
-              <a:rPr lang="en-US" altLang="ko-KR" sz="1400" b="1" dirty="0" smtClean="0">
-                <a:solidFill>
-                  <a:schemeClr val="accent1">
-                    <a:lumMod val="40000"/>
-                    <a:lumOff val="60000"/>
-                  </a:schemeClr>
-                </a:solidFill>
-                <a:latin typeface="+mn-ea"/>
-                <a:ea typeface="+mn-ea"/>
-              </a:rPr>
-              <a:t>- </a:t>
-            </a:r>
-            <a:r>
-              <a:rPr lang="ko-KR" altLang="en-US" sz="1400" b="1" dirty="0" smtClean="0">
-                <a:solidFill>
-                  <a:schemeClr val="accent1">
-                    <a:lumMod val="40000"/>
-                    <a:lumOff val="60000"/>
-                  </a:schemeClr>
-                </a:solidFill>
-                <a:latin typeface="+mn-ea"/>
-                <a:ea typeface="+mn-ea"/>
-              </a:rPr>
-              <a:t>로그 출력 여부</a:t>
-            </a:r>
-            <a:r>
-              <a:rPr lang="en-US" altLang="ko-KR" sz="1400" b="1" dirty="0" smtClean="0">
-                <a:solidFill>
-                  <a:schemeClr val="accent1">
-                    <a:lumMod val="40000"/>
-                    <a:lumOff val="60000"/>
-                  </a:schemeClr>
-                </a:solidFill>
-                <a:latin typeface="+mn-ea"/>
-                <a:ea typeface="+mn-ea"/>
-              </a:rPr>
-              <a:t>(</a:t>
-            </a:r>
-            <a:r>
-              <a:rPr lang="ko-KR" altLang="en-US" sz="1400" b="1" dirty="0" smtClean="0">
-                <a:solidFill>
-                  <a:schemeClr val="accent1">
-                    <a:lumMod val="40000"/>
-                    <a:lumOff val="60000"/>
-                  </a:schemeClr>
-                </a:solidFill>
-                <a:latin typeface="+mn-ea"/>
-                <a:ea typeface="+mn-ea"/>
-              </a:rPr>
-              <a:t>실제 </a:t>
-            </a:r>
-            <a:r>
-              <a:rPr lang="en-US" altLang="ko-KR" sz="1400" b="1" dirty="0" smtClean="0">
-                <a:solidFill>
-                  <a:schemeClr val="accent1">
-                    <a:lumMod val="40000"/>
-                    <a:lumOff val="60000"/>
-                  </a:schemeClr>
-                </a:solidFill>
-                <a:latin typeface="+mn-ea"/>
-                <a:ea typeface="+mn-ea"/>
-              </a:rPr>
-              <a:t>AWS log </a:t>
-            </a:r>
-            <a:r>
-              <a:rPr lang="ko-KR" altLang="en-US" sz="1400" b="1" dirty="0" smtClean="0">
-                <a:solidFill>
-                  <a:schemeClr val="accent1">
-                    <a:lumMod val="40000"/>
-                    <a:lumOff val="60000"/>
-                  </a:schemeClr>
-                </a:solidFill>
-                <a:latin typeface="+mn-ea"/>
-                <a:ea typeface="+mn-ea"/>
-              </a:rPr>
-              <a:t>디렉터리 파일 생성 확인</a:t>
-            </a:r>
-            <a:r>
-              <a:rPr lang="en-US" altLang="ko-KR" sz="1400" b="1" dirty="0" smtClean="0">
-                <a:solidFill>
-                  <a:schemeClr val="accent1">
-                    <a:lumMod val="40000"/>
-                    <a:lumOff val="60000"/>
-                  </a:schemeClr>
-                </a:solidFill>
-                <a:latin typeface="+mn-ea"/>
-                <a:ea typeface="+mn-ea"/>
-              </a:rPr>
-              <a:t>)</a:t>
-            </a:r>
-            <a:endParaRPr lang="ko-KR" altLang="en-US" sz="1400" b="1" dirty="0">
-              <a:solidFill>
-                <a:schemeClr val="accent1">
-                  <a:lumMod val="40000"/>
-                  <a:lumOff val="60000"/>
-                </a:schemeClr>
-              </a:solidFill>
-              <a:latin typeface="+mn-ea"/>
-              <a:ea typeface="+mn-ea"/>
-            </a:endParaRPr>
-          </a:p>
-        </p:txBody>
-      </p:sp>
+      </p:pic>
     </p:spTree>
     <p:extLst>
       <p:ext uri="{BB962C8B-B14F-4D97-AF65-F5344CB8AC3E}">
-        <p14:creationId xmlns:p14="http://schemas.microsoft.com/office/powerpoint/2010/main" val="1085042638"/>
+        <p14:creationId xmlns:p14="http://schemas.microsoft.com/office/powerpoint/2010/main" val="652892269"/>
       </p:ext>
     </p:extLst>
   </p:cSld>
@@ -15274,7 +15741,7 @@
         <p:spPr>
           <a:xfrm>
             <a:off x="1107452" y="926275"/>
-            <a:ext cx="4541958" cy="549765"/>
+            <a:ext cx="6480880" cy="549765"/>
           </a:xfrm>
         </p:spPr>
         <p:txBody>
@@ -15291,7 +15758,7 @@
                 </a:solidFill>
                 <a:latin typeface="+mj-ea"/>
               </a:rPr>
-              <a:t>1. </a:t>
+              <a:t>1-2. </a:t>
             </a:r>
             <a:r>
               <a:rPr lang="ko-KR" altLang="en-US" sz="2800" b="1" dirty="0" smtClean="0">
@@ -15303,7 +15770,31 @@
                 </a:solidFill>
                 <a:latin typeface="+mj-ea"/>
               </a:rPr>
-              <a:t>배포 과정과 설명</a:t>
+              <a:t>공공 데이터 </a:t>
+            </a:r>
+            <a:r>
+              <a:rPr lang="en-US" altLang="ko-KR" sz="2800" b="1" dirty="0" smtClean="0">
+                <a:solidFill>
+                  <a:schemeClr val="accent1">
+                    <a:lumMod val="40000"/>
+                    <a:lumOff val="60000"/>
+                  </a:schemeClr>
+                </a:solidFill>
+                <a:latin typeface="+mj-ea"/>
+              </a:rPr>
+              <a:t>API </a:t>
+            </a:r>
+            <a:r>
+              <a:rPr lang="ko-KR" altLang="en-US" sz="2800" b="1" dirty="0" smtClean="0">
+                <a:solidFill>
+                  <a:schemeClr val="accent1">
+                    <a:lumMod val="40000"/>
+                    <a:lumOff val="60000"/>
+                  </a:schemeClr>
+                </a:solidFill>
+                <a:latin typeface="+mj-ea"/>
+              </a:rPr>
+              <a:t>신청 및 확인</a:t>
             </a:r>
             <a:endParaRPr lang="ko-KR" altLang="en-US" sz="2800" b="1" dirty="0">
               <a:solidFill>
@@ -15327,8 +15818,8 @@
         </p:nvSpPr>
         <p:spPr bwMode="gray">
           <a:xfrm>
-            <a:off x="1423585" y="3958955"/>
-            <a:ext cx="6514844" cy="330561"/>
+            <a:off x="1304830" y="1489745"/>
+            <a:ext cx="7141942" cy="330561"/>
           </a:xfrm>
           <a:prstGeom prst="rect">
             <a:avLst/>
@@ -15412,7 +15903,7 @@
           </a:lstStyle>
           <a:p>
             <a:r>
-              <a:rPr lang="en-US" altLang="ko-KR" sz="1600" dirty="0" smtClean="0">
+              <a:rPr lang="ko-KR" altLang="en-US" sz="1600" b="1" dirty="0" smtClean="0">
                 <a:solidFill>
                   <a:schemeClr val="accent6">
                     <a:lumMod val="60000"/>
@@ -15420,10 +15911,10 @@
                   </a:schemeClr>
                 </a:solidFill>
               </a:rPr>
-              <a:t>- JBoard2</a:t>
-            </a:r>
-            <a:r>
-              <a:rPr lang="ko-KR" altLang="en-US" sz="1600" dirty="0" smtClean="0">
+              <a:t>오픈 </a:t>
+            </a:r>
+            <a:r>
+              <a:rPr lang="en-US" altLang="ko-KR" sz="1600" b="1" dirty="0" smtClean="0">
                 <a:solidFill>
                   <a:schemeClr val="accent6">
                     <a:lumMod val="60000"/>
@@ -15431,10 +15922,10 @@
                   </a:schemeClr>
                 </a:solidFill>
               </a:rPr>
-              <a:t>을 </a:t>
-            </a:r>
-            <a:r>
-              <a:rPr lang="en-US" altLang="ko-KR" sz="1600" dirty="0" smtClean="0">
+              <a:t>API  </a:t>
+            </a:r>
+            <a:r>
+              <a:rPr lang="ko-KR" altLang="en-US" sz="1600" b="1" dirty="0" smtClean="0">
                 <a:solidFill>
                   <a:schemeClr val="accent6">
                     <a:lumMod val="60000"/>
@@ -15442,53 +15933,9 @@
                   </a:schemeClr>
                 </a:solidFill>
               </a:rPr>
-              <a:t>Java 11 </a:t>
-            </a:r>
-            <a:r>
-              <a:rPr lang="ko-KR" altLang="en-US" sz="1600" dirty="0" smtClean="0">
-                <a:solidFill>
-                  <a:schemeClr val="accent6">
-                    <a:lumMod val="60000"/>
-                    <a:lumOff val="40000"/>
-                  </a:schemeClr>
-                </a:solidFill>
-              </a:rPr>
-              <a:t>버전으로 바꾼 뒤 </a:t>
-            </a:r>
-            <a:r>
-              <a:rPr lang="en-US" altLang="ko-KR" sz="1600" dirty="0" smtClean="0">
-                <a:solidFill>
-                  <a:schemeClr val="accent6">
-                    <a:lumMod val="60000"/>
-                    <a:lumOff val="40000"/>
-                  </a:schemeClr>
-                </a:solidFill>
-              </a:rPr>
-              <a:t>Export </a:t>
-            </a:r>
-            <a:r>
-              <a:rPr lang="ko-KR" altLang="en-US" sz="1600" dirty="0" smtClean="0">
-                <a:solidFill>
-                  <a:schemeClr val="accent6">
-                    <a:lumMod val="60000"/>
-                    <a:lumOff val="40000"/>
-                  </a:schemeClr>
-                </a:solidFill>
-              </a:rPr>
-              <a:t>했습니다</a:t>
-            </a:r>
-            <a:r>
-              <a:rPr lang="en-US" altLang="ko-KR" sz="1600" dirty="0" smtClean="0">
-                <a:solidFill>
-                  <a:schemeClr val="accent6">
-                    <a:lumMod val="60000"/>
-                    <a:lumOff val="40000"/>
-                  </a:schemeClr>
-                </a:solidFill>
-              </a:rPr>
-              <a:t>. </a:t>
-            </a:r>
-            <a:endParaRPr lang="ko-KR" altLang="en-US" sz="1600" dirty="0">
+              <a:t>상세 확인</a:t>
+            </a:r>
+            <a:endParaRPr lang="ko-KR" altLang="en-US" sz="1600" b="1" dirty="0">
               <a:solidFill>
                 <a:schemeClr val="accent6">
                   <a:lumMod val="60000"/>
@@ -15521,250 +15968,8 @@
         </p:blipFill>
         <p:spPr>
           <a:xfrm>
-            <a:off x="1577205" y="1582308"/>
-            <a:ext cx="2570077" cy="2139226"/>
-          </a:xfrm>
-          <a:prstGeom prst="rect">
-            <a:avLst/>
-          </a:prstGeom>
-        </p:spPr>
-      </p:pic>
-      <p:pic>
-        <p:nvPicPr>
-          <p:cNvPr id="5" name="그림 4"/>
-          <p:cNvPicPr>
-            <a:picLocks noChangeAspect="1"/>
-          </p:cNvPicPr>
-          <p:nvPr/>
-        </p:nvPicPr>
-        <p:blipFill>
-          <a:blip r:embed="rId3">
-            <a:extLst>
-              <a:ext uri="{28A0092B-C50C-407E-A947-70E740481C1C}">
-                <a14:useLocalDpi xmlns:a14="http://schemas.microsoft.com/office/drawing/2010/main" val="0"/>
-              </a:ext>
-            </a:extLst>
-          </a:blip>
-          <a:stretch>
-            <a:fillRect/>
-          </a:stretch>
-        </p:blipFill>
-        <p:spPr>
-          <a:xfrm>
-            <a:off x="4446457" y="1582309"/>
-            <a:ext cx="3491972" cy="2139226"/>
-          </a:xfrm>
-          <a:prstGeom prst="rect">
-            <a:avLst/>
-          </a:prstGeom>
-        </p:spPr>
-      </p:pic>
-      <p:sp>
-        <p:nvSpPr>
-          <p:cNvPr id="16" name="제목 5"/>
-          <p:cNvSpPr txBox="1">
-            <a:spLocks/>
-          </p:cNvSpPr>
-          <p:nvPr/>
-        </p:nvSpPr>
-        <p:spPr bwMode="gray">
-          <a:xfrm>
-            <a:off x="1423584" y="4289516"/>
-            <a:ext cx="7346705" cy="330561"/>
-          </a:xfrm>
-          <a:prstGeom prst="rect">
-            <a:avLst/>
-          </a:prstGeom>
-        </p:spPr>
-        <p:txBody>
-          <a:bodyPr vert="horz" lIns="91440" tIns="45720" rIns="91440" bIns="45720" rtlCol="0" anchor="b">
-            <a:noAutofit/>
-          </a:bodyPr>
-          <a:lstStyle>
-            <a:lvl1pPr algn="l" defTabSz="457200" rtl="0" eaLnBrk="1" latinLnBrk="1" hangingPunct="1">
-              <a:spcBef>
-                <a:spcPct val="0"/>
-              </a:spcBef>
-              <a:buNone/>
-              <a:defRPr sz="5400" b="0" i="0" kern="1200">
-                <a:solidFill>
-                  <a:schemeClr val="bg2"/>
-                </a:solidFill>
-                <a:latin typeface="+mj-lt"/>
-                <a:ea typeface="+mj-ea"/>
-                <a:cs typeface="+mj-cs"/>
-              </a:defRPr>
-            </a:lvl1pPr>
-            <a:lvl2pPr eaLnBrk="1" latinLnBrk="1" hangingPunct="1">
-              <a:defRPr>
-                <a:solidFill>
-                  <a:schemeClr val="tx2"/>
-                </a:solidFill>
-              </a:defRPr>
-            </a:lvl2pPr>
-            <a:lvl3pPr eaLnBrk="1" latinLnBrk="1" hangingPunct="1">
-              <a:defRPr>
-                <a:solidFill>
-                  <a:schemeClr val="tx2"/>
-                </a:solidFill>
-              </a:defRPr>
-            </a:lvl3pPr>
-            <a:lvl4pPr eaLnBrk="1" latinLnBrk="1" hangingPunct="1">
-              <a:defRPr>
-                <a:solidFill>
-                  <a:schemeClr val="tx2"/>
-                </a:solidFill>
-              </a:defRPr>
-            </a:lvl4pPr>
-            <a:lvl5pPr eaLnBrk="1" latinLnBrk="1" hangingPunct="1">
-              <a:defRPr>
-                <a:solidFill>
-                  <a:schemeClr val="tx2"/>
-                </a:solidFill>
-              </a:defRPr>
-            </a:lvl5pPr>
-            <a:lvl6pPr eaLnBrk="1" latinLnBrk="1" hangingPunct="1">
-              <a:defRPr>
-                <a:solidFill>
-                  <a:schemeClr val="tx2"/>
-                </a:solidFill>
-              </a:defRPr>
-            </a:lvl6pPr>
-            <a:lvl7pPr eaLnBrk="1" latinLnBrk="1" hangingPunct="1">
-              <a:defRPr>
-                <a:solidFill>
-                  <a:schemeClr val="tx2"/>
-                </a:solidFill>
-              </a:defRPr>
-            </a:lvl7pPr>
-            <a:lvl8pPr eaLnBrk="1" latinLnBrk="1" hangingPunct="1">
-              <a:defRPr>
-                <a:solidFill>
-                  <a:schemeClr val="tx2"/>
-                </a:solidFill>
-              </a:defRPr>
-            </a:lvl8pPr>
-            <a:lvl9pPr eaLnBrk="1" latinLnBrk="1" hangingPunct="1">
-              <a:defRPr>
-                <a:solidFill>
-                  <a:schemeClr val="tx2"/>
-                </a:solidFill>
-              </a:defRPr>
-            </a:lvl9pPr>
-          </a:lstStyle>
-          <a:p>
-            <a:r>
-              <a:rPr lang="en-US" altLang="ko-KR" sz="1600" dirty="0" smtClean="0">
-                <a:solidFill>
-                  <a:schemeClr val="accent6">
-                    <a:lumMod val="60000"/>
-                    <a:lumOff val="40000"/>
-                  </a:schemeClr>
-                </a:solidFill>
-              </a:rPr>
-              <a:t>- Export </a:t>
-            </a:r>
-            <a:r>
-              <a:rPr lang="ko-KR" altLang="en-US" sz="1600" dirty="0" smtClean="0">
-                <a:solidFill>
-                  <a:schemeClr val="accent6">
-                    <a:lumMod val="60000"/>
-                    <a:lumOff val="40000"/>
-                  </a:schemeClr>
-                </a:solidFill>
-              </a:rPr>
-              <a:t>한 </a:t>
-            </a:r>
-            <a:r>
-              <a:rPr lang="en-US" altLang="ko-KR" sz="1600" dirty="0" smtClean="0">
-                <a:solidFill>
-                  <a:schemeClr val="accent6">
-                    <a:lumMod val="60000"/>
-                    <a:lumOff val="40000"/>
-                  </a:schemeClr>
-                </a:solidFill>
-              </a:rPr>
-              <a:t>JBoard2 </a:t>
-            </a:r>
-            <a:r>
-              <a:rPr lang="ko-KR" altLang="en-US" sz="1600" dirty="0" smtClean="0">
-                <a:solidFill>
-                  <a:schemeClr val="accent6">
-                    <a:lumMod val="60000"/>
-                    <a:lumOff val="40000"/>
-                  </a:schemeClr>
-                </a:solidFill>
-              </a:rPr>
-              <a:t>파일을 </a:t>
-            </a:r>
-            <a:r>
-              <a:rPr lang="ko-KR" altLang="en-US" sz="1600" dirty="0" err="1" smtClean="0">
-                <a:solidFill>
-                  <a:schemeClr val="accent6">
-                    <a:lumMod val="60000"/>
-                    <a:lumOff val="40000"/>
-                  </a:schemeClr>
-                </a:solidFill>
-              </a:rPr>
-              <a:t>파일질라</a:t>
-            </a:r>
-            <a:r>
-              <a:rPr lang="ko-KR" altLang="en-US" sz="1600" dirty="0" smtClean="0">
-                <a:solidFill>
-                  <a:schemeClr val="accent6">
-                    <a:lumMod val="60000"/>
-                    <a:lumOff val="40000"/>
-                  </a:schemeClr>
-                </a:solidFill>
-              </a:rPr>
-              <a:t> 프로그램에 업로드 후 테스트 했습니다</a:t>
-            </a:r>
-            <a:r>
-              <a:rPr lang="en-US" altLang="ko-KR" sz="1600" dirty="0" smtClean="0">
-                <a:solidFill>
-                  <a:schemeClr val="accent6">
-                    <a:lumMod val="60000"/>
-                    <a:lumOff val="40000"/>
-                  </a:schemeClr>
-                </a:solidFill>
-              </a:rPr>
-              <a:t>.</a:t>
-            </a:r>
-            <a:endParaRPr lang="ko-KR" altLang="en-US" sz="1600" dirty="0">
-              <a:solidFill>
-                <a:schemeClr val="accent6">
-                  <a:lumMod val="60000"/>
-                  <a:lumOff val="40000"/>
-                </a:schemeClr>
-              </a:solidFill>
-            </a:endParaRPr>
-          </a:p>
-        </p:txBody>
-      </p:sp>
-      <p:pic>
-        <p:nvPicPr>
-          <p:cNvPr id="7" name="그림 6"/>
-          <p:cNvPicPr>
-            <a:picLocks noChangeAspect="1"/>
-          </p:cNvPicPr>
-          <p:nvPr/>
-        </p:nvPicPr>
-        <p:blipFill>
-          <a:blip r:embed="rId4">
-            <a:extLst>
-              <a:ext uri="{28A0092B-C50C-407E-A947-70E740481C1C}">
-                <a14:useLocalDpi xmlns:a14="http://schemas.microsoft.com/office/drawing/2010/main" val="0"/>
-              </a:ext>
-            </a:extLst>
-          </a:blip>
-          <a:stretch>
-            <a:fillRect/>
-          </a:stretch>
-        </p:blipFill>
-        <p:spPr>
-          <a:xfrm>
-            <a:off x="8237604" y="1582308"/>
-            <a:ext cx="2107522" cy="1311967"/>
+            <a:off x="1304830" y="1918843"/>
+            <a:ext cx="6106243" cy="3828813"/>
           </a:xfrm>
           <a:prstGeom prst="rect">
             <a:avLst/>
@@ -15774,7 +15979,7 @@
     </p:spTree>
     <p:extLst>
       <p:ext uri="{BB962C8B-B14F-4D97-AF65-F5344CB8AC3E}">
-        <p14:creationId xmlns:p14="http://schemas.microsoft.com/office/powerpoint/2010/main" val="652892269"/>
+        <p14:creationId xmlns:p14="http://schemas.microsoft.com/office/powerpoint/2010/main" val="739325923"/>
       </p:ext>
     </p:extLst>
   </p:cSld>
@@ -15814,7 +16019,7 @@
         <p:spPr>
           <a:xfrm>
             <a:off x="1107452" y="926275"/>
-            <a:ext cx="4541958" cy="549765"/>
+            <a:ext cx="6480880" cy="549765"/>
           </a:xfrm>
         </p:spPr>
         <p:txBody>
@@ -15831,7 +16036,7 @@
                 </a:solidFill>
                 <a:latin typeface="+mj-ea"/>
               </a:rPr>
-              <a:t>1. </a:t>
+              <a:t>1-3. </a:t>
             </a:r>
             <a:r>
               <a:rPr lang="ko-KR" altLang="en-US" sz="2800" b="1" dirty="0" smtClean="0">
@@ -15843,7 +16048,31 @@
                 </a:solidFill>
                 <a:latin typeface="+mj-ea"/>
               </a:rPr>
-              <a:t>배포 과정과 설명</a:t>
+              <a:t>공공 데이터 </a:t>
+            </a:r>
+            <a:r>
+              <a:rPr lang="en-US" altLang="ko-KR" sz="2800" b="1" dirty="0" smtClean="0">
+                <a:solidFill>
+                  <a:schemeClr val="accent1">
+                    <a:lumMod val="40000"/>
+                    <a:lumOff val="60000"/>
+                  </a:schemeClr>
+                </a:solidFill>
+                <a:latin typeface="+mj-ea"/>
+              </a:rPr>
+              <a:t>API </a:t>
+            </a:r>
+            <a:r>
+              <a:rPr lang="ko-KR" altLang="en-US" sz="2800" b="1" dirty="0" smtClean="0">
+                <a:solidFill>
+                  <a:schemeClr val="accent1">
+                    <a:lumMod val="40000"/>
+                    <a:lumOff val="60000"/>
+                  </a:schemeClr>
+                </a:solidFill>
+                <a:latin typeface="+mj-ea"/>
+              </a:rPr>
+              <a:t>신청 및 확인</a:t>
             </a:r>
             <a:endParaRPr lang="ko-KR" altLang="en-US" sz="2800" b="1" dirty="0">
               <a:solidFill>
@@ -15867,8 +16096,8 @@
         </p:nvSpPr>
         <p:spPr bwMode="gray">
           <a:xfrm>
-            <a:off x="1423585" y="4523499"/>
-            <a:ext cx="6514844" cy="330561"/>
+            <a:off x="1304830" y="1489745"/>
+            <a:ext cx="7141942" cy="330561"/>
           </a:xfrm>
           <a:prstGeom prst="rect">
             <a:avLst/>
@@ -15952,7 +16181,7 @@
           </a:lstStyle>
           <a:p>
             <a:r>
-              <a:rPr lang="en-US" altLang="ko-KR" sz="1600" dirty="0" smtClean="0">
+              <a:rPr lang="en-US" altLang="ko-KR" sz="1600" b="1" dirty="0" smtClean="0">
                 <a:solidFill>
                   <a:schemeClr val="accent6">
                     <a:lumMod val="60000"/>
@@ -15960,10 +16189,10 @@
                   </a:schemeClr>
                 </a:solidFill>
               </a:rPr>
-              <a:t>- </a:t>
-            </a:r>
-            <a:r>
-              <a:rPr lang="ko-KR" altLang="en-US" sz="1600" dirty="0" err="1" smtClean="0">
+              <a:t>POSTMAN</a:t>
+            </a:r>
+            <a:r>
+              <a:rPr lang="ko-KR" altLang="en-US" sz="1600" b="1" dirty="0" smtClean="0">
                 <a:solidFill>
                   <a:schemeClr val="accent6">
                     <a:lumMod val="60000"/>
@@ -15971,10 +16200,10 @@
                   </a:schemeClr>
                 </a:solidFill>
               </a:rPr>
-              <a:t>배포주소가</a:t>
-            </a:r>
-            <a:r>
-              <a:rPr lang="ko-KR" altLang="en-US" sz="1600" dirty="0" smtClean="0">
+              <a:t>으로 </a:t>
+            </a:r>
+            <a:r>
+              <a:rPr lang="en-US" altLang="ko-KR" sz="1600" b="1" dirty="0" smtClean="0">
                 <a:solidFill>
                   <a:schemeClr val="accent6">
                     <a:lumMod val="60000"/>
@@ -15982,10 +16211,10 @@
                   </a:schemeClr>
                 </a:solidFill>
               </a:rPr>
-              <a:t> 제대로 동작되는지 확인 했습니다</a:t>
-            </a:r>
-            <a:r>
-              <a:rPr lang="en-US" altLang="ko-KR" sz="1600" dirty="0" smtClean="0">
+              <a:t>API </a:t>
+            </a:r>
+            <a:r>
+              <a:rPr lang="ko-KR" altLang="en-US" sz="1600" b="1" dirty="0" smtClean="0">
                 <a:solidFill>
                   <a:schemeClr val="accent6">
                     <a:lumMod val="60000"/>
@@ -15993,9 +16222,9 @@
                   </a:schemeClr>
                 </a:solidFill>
               </a:rPr>
-              <a:t>.</a:t>
-            </a:r>
-            <a:endParaRPr lang="ko-KR" altLang="en-US" sz="1600" dirty="0">
+              <a:t>테스트</a:t>
+            </a:r>
+            <a:endParaRPr lang="ko-KR" altLang="en-US" sz="1600" b="1" dirty="0">
               <a:solidFill>
                 <a:schemeClr val="accent6">
                   <a:lumMod val="60000"/>
@@ -16008,7 +16237,7 @@
       </p:sp>
       <p:pic>
         <p:nvPicPr>
-          <p:cNvPr id="4" name="그림 3"/>
+          <p:cNvPr id="3" name="그림 2"/>
           <p:cNvPicPr>
             <a:picLocks noChangeAspect="1"/>
           </p:cNvPicPr>
@@ -16028,8 +16257,8 @@
         </p:blipFill>
         <p:spPr>
           <a:xfrm>
-            <a:off x="4681007" y="1638815"/>
-            <a:ext cx="6047215" cy="2665929"/>
+            <a:off x="1304830" y="1918843"/>
+            <a:ext cx="4205321" cy="1939379"/>
           </a:xfrm>
           <a:prstGeom prst="rect">
             <a:avLst/>
@@ -16038,7 +16267,7 @@
       </p:pic>
       <p:pic>
         <p:nvPicPr>
-          <p:cNvPr id="8" name="그림 7"/>
+          <p:cNvPr id="5" name="그림 4"/>
           <p:cNvPicPr>
             <a:picLocks noChangeAspect="1"/>
           </p:cNvPicPr>
@@ -16058,18 +16287,165 @@
         </p:blipFill>
         <p:spPr>
           <a:xfrm>
-            <a:off x="1423584" y="1638815"/>
-            <a:ext cx="2963510" cy="465695"/>
+            <a:off x="6006446" y="1489745"/>
+            <a:ext cx="3710893" cy="3420017"/>
           </a:xfrm>
           <a:prstGeom prst="rect">
             <a:avLst/>
           </a:prstGeom>
         </p:spPr>
       </p:pic>
+      <p:sp>
+        <p:nvSpPr>
+          <p:cNvPr id="8" name="타원 7"/>
+          <p:cNvSpPr/>
+          <p:nvPr/>
+        </p:nvSpPr>
+        <p:spPr>
+          <a:xfrm>
+            <a:off x="7864789" y="5094516"/>
+            <a:ext cx="106879" cy="106879"/>
+          </a:xfrm>
+          <a:prstGeom prst="ellipse">
+            <a:avLst/>
+          </a:prstGeom>
+          <a:solidFill>
+            <a:schemeClr val="accent6">
+              <a:lumMod val="60000"/>
+              <a:lumOff val="40000"/>
+            </a:schemeClr>
+          </a:solidFill>
+          <a:ln>
+            <a:noFill/>
+          </a:ln>
+        </p:spPr>
+        <p:style>
+          <a:lnRef idx="2">
+            <a:schemeClr val="accent1">
+              <a:shade val="50000"/>
+            </a:schemeClr>
+          </a:lnRef>
+          <a:fillRef idx="1">
+            <a:schemeClr val="accent1"/>
+          </a:fillRef>
+          <a:effectRef idx="0">
+            <a:schemeClr val="accent1"/>
+          </a:effectRef>
+          <a:fontRef idx="minor">
+            <a:schemeClr val="lt1"/>
+          </a:fontRef>
+        </p:style>
+        <p:txBody>
+          <a:bodyPr rtlCol="0" anchor="ctr"/>
+          <a:lstStyle/>
+          <a:p>
+            <a:pPr algn="ctr"/>
+            <a:endParaRPr lang="ko-KR" altLang="en-US"/>
+          </a:p>
+        </p:txBody>
+      </p:sp>
+      <p:sp>
+        <p:nvSpPr>
+          <p:cNvPr id="10" name="타원 9"/>
+          <p:cNvSpPr/>
+          <p:nvPr/>
+        </p:nvSpPr>
+        <p:spPr>
+          <a:xfrm>
+            <a:off x="7864788" y="5398025"/>
+            <a:ext cx="106879" cy="106879"/>
+          </a:xfrm>
+          <a:prstGeom prst="ellipse">
+            <a:avLst/>
+          </a:prstGeom>
+          <a:solidFill>
+            <a:schemeClr val="accent6">
+              <a:lumMod val="60000"/>
+              <a:lumOff val="40000"/>
+            </a:schemeClr>
+          </a:solidFill>
+          <a:ln>
+            <a:noFill/>
+          </a:ln>
+        </p:spPr>
+        <p:style>
+          <a:lnRef idx="2">
+            <a:schemeClr val="accent1">
+              <a:shade val="50000"/>
+            </a:schemeClr>
+          </a:lnRef>
+          <a:fillRef idx="1">
+            <a:schemeClr val="accent1"/>
+          </a:fillRef>
+          <a:effectRef idx="0">
+            <a:schemeClr val="accent1"/>
+          </a:effectRef>
+          <a:fontRef idx="minor">
+            <a:schemeClr val="lt1"/>
+          </a:fontRef>
+        </p:style>
+        <p:txBody>
+          <a:bodyPr rtlCol="0" anchor="ctr"/>
+          <a:lstStyle/>
+          <a:p>
+            <a:pPr algn="ctr"/>
+            <a:endParaRPr lang="ko-KR" altLang="en-US"/>
+          </a:p>
+        </p:txBody>
+      </p:sp>
+      <p:sp>
+        <p:nvSpPr>
+          <p:cNvPr id="11" name="타원 10"/>
+          <p:cNvSpPr/>
+          <p:nvPr/>
+        </p:nvSpPr>
+        <p:spPr>
+          <a:xfrm>
+            <a:off x="7864788" y="5701534"/>
+            <a:ext cx="106879" cy="106879"/>
+          </a:xfrm>
+          <a:prstGeom prst="ellipse">
+            <a:avLst/>
+          </a:prstGeom>
+          <a:solidFill>
+            <a:schemeClr val="accent6">
+              <a:lumMod val="60000"/>
+              <a:lumOff val="40000"/>
+            </a:schemeClr>
+          </a:solidFill>
+          <a:ln>
+            <a:noFill/>
+          </a:ln>
+        </p:spPr>
+        <p:style>
+          <a:lnRef idx="2">
+            <a:schemeClr val="accent1">
+              <a:shade val="50000"/>
+            </a:schemeClr>
+          </a:lnRef>
+          <a:fillRef idx="1">
+            <a:schemeClr val="accent1"/>
+          </a:fillRef>
+          <a:effectRef idx="0">
+            <a:schemeClr val="accent1"/>
+          </a:effectRef>
+          <a:fontRef idx="minor">
+            <a:schemeClr val="lt1"/>
+          </a:fontRef>
+        </p:style>
+        <p:txBody>
+          <a:bodyPr rtlCol="0" anchor="ctr"/>
+          <a:lstStyle/>
+          <a:p>
+            <a:pPr algn="ctr"/>
+            <a:endParaRPr lang="ko-KR" altLang="en-US"/>
+          </a:p>
+        </p:txBody>
+      </p:sp>
     </p:spTree>
     <p:extLst>
       <p:ext uri="{BB962C8B-B14F-4D97-AF65-F5344CB8AC3E}">
-        <p14:creationId xmlns:p14="http://schemas.microsoft.com/office/powerpoint/2010/main" val="3541802052"/>
+        <p14:creationId xmlns:p14="http://schemas.microsoft.com/office/powerpoint/2010/main" val="1023168302"/>
       </p:ext>
     </p:extLst>
   </p:cSld>
@@ -16109,7 +16485,7 @@
         <p:spPr>
           <a:xfrm>
             <a:off x="1107452" y="926275"/>
-            <a:ext cx="4541958" cy="549765"/>
+            <a:ext cx="6480880" cy="549765"/>
           </a:xfrm>
         </p:spPr>
         <p:txBody>
@@ -16126,10 +16502,10 @@
                 </a:solidFill>
                 <a:latin typeface="+mj-ea"/>
               </a:rPr>
-              <a:t>2. </a:t>
-            </a:r>
-            <a:r>
-              <a:rPr lang="ko-KR" altLang="en-US" sz="2800" b="1" dirty="0" smtClean="0">
+              <a:t>2-1</a:t>
+            </a:r>
+            <a:r>
+              <a:rPr lang="en-US" altLang="ko-KR" sz="2800" b="1" dirty="0" smtClean="0">
                 <a:solidFill>
                   <a:schemeClr val="accent1">
                     <a:lumMod val="40000"/>
@@ -16138,7 +16514,55 @@
                 </a:solidFill>
                 <a:latin typeface="+mj-ea"/>
               </a:rPr>
-              <a:t>기능 동작 테스트</a:t>
+              <a:t>. </a:t>
+            </a:r>
+            <a:r>
+              <a:rPr lang="en-US" altLang="ko-KR" sz="2800" b="1" dirty="0" err="1" smtClean="0">
+                <a:solidFill>
+                  <a:schemeClr val="accent1">
+                    <a:lumMod val="40000"/>
+                    <a:lumOff val="60000"/>
+                  </a:schemeClr>
+                </a:solidFill>
+                <a:latin typeface="+mj-ea"/>
+              </a:rPr>
+              <a:t>KaKao</a:t>
+            </a:r>
+            <a:r>
+              <a:rPr lang="en-US" altLang="ko-KR" sz="2800" b="1" dirty="0" smtClean="0">
+                <a:solidFill>
+                  <a:schemeClr val="accent1">
+                    <a:lumMod val="40000"/>
+                    <a:lumOff val="60000"/>
+                  </a:schemeClr>
+                </a:solidFill>
+                <a:latin typeface="+mj-ea"/>
+              </a:rPr>
+              <a:t> Maps API </a:t>
+            </a:r>
+            <a:r>
+              <a:rPr lang="ko-KR" altLang="en-US" sz="2800" b="1" dirty="0" smtClean="0">
+                <a:solidFill>
+                  <a:schemeClr val="accent1">
+                    <a:lumMod val="40000"/>
+                    <a:lumOff val="60000"/>
+                  </a:schemeClr>
+                </a:solidFill>
+                <a:latin typeface="+mj-ea"/>
+              </a:rPr>
+              <a:t>신청 및 </a:t>
+            </a:r>
+            <a:r>
+              <a:rPr lang="ko-KR" altLang="en-US" sz="2800" b="1" dirty="0" smtClean="0">
+                <a:solidFill>
+                  <a:schemeClr val="accent1">
+                    <a:lumMod val="40000"/>
+                    <a:lumOff val="60000"/>
+                  </a:schemeClr>
+                </a:solidFill>
+                <a:latin typeface="+mj-ea"/>
+              </a:rPr>
+              <a:t>확인</a:t>
             </a:r>
             <a:endParaRPr lang="ko-KR" altLang="en-US" sz="2800" b="1" dirty="0">
               <a:solidFill>
@@ -16162,8 +16586,8 @@
         </p:nvSpPr>
         <p:spPr bwMode="gray">
           <a:xfrm>
-            <a:off x="1423585" y="4523499"/>
-            <a:ext cx="6514844" cy="330561"/>
+            <a:off x="1304829" y="1489745"/>
+            <a:ext cx="9509709" cy="330561"/>
           </a:xfrm>
           <a:prstGeom prst="rect">
             <a:avLst/>
@@ -16247,7 +16671,7 @@
           </a:lstStyle>
           <a:p>
             <a:r>
-              <a:rPr lang="en-US" altLang="ko-KR" sz="1600" dirty="0" smtClean="0">
+              <a:rPr lang="en-US" altLang="ko-KR" sz="1600" b="1" dirty="0" smtClean="0">
                 <a:solidFill>
                   <a:schemeClr val="accent6">
                     <a:lumMod val="60000"/>
@@ -16255,10 +16679,10 @@
                   </a:schemeClr>
                 </a:solidFill>
               </a:rPr>
-              <a:t>- </a:t>
-            </a:r>
-            <a:r>
-              <a:rPr lang="ko-KR" altLang="en-US" sz="1600" dirty="0" smtClean="0">
+              <a:t>https://apis.map.kakao.com </a:t>
+            </a:r>
+            <a:r>
+              <a:rPr lang="ko-KR" altLang="en-US" sz="1600" b="1" dirty="0" smtClean="0">
                 <a:solidFill>
                   <a:schemeClr val="accent6">
                     <a:lumMod val="60000"/>
@@ -16266,10 +16690,10 @@
                   </a:schemeClr>
                 </a:solidFill>
               </a:rPr>
-              <a:t>로그인 기능이 작동 되는걸 확인했습니다</a:t>
-            </a:r>
-            <a:r>
-              <a:rPr lang="en-US" altLang="ko-KR" sz="1600" dirty="0" smtClean="0">
+              <a:t>로그인 </a:t>
+            </a:r>
+            <a:r>
+              <a:rPr lang="en-US" altLang="ko-KR" sz="1600" b="1" dirty="0" smtClean="0">
                 <a:solidFill>
                   <a:schemeClr val="accent6">
                     <a:lumMod val="60000"/>
@@ -16277,9 +16701,75 @@
                   </a:schemeClr>
                 </a:solidFill>
               </a:rPr>
-              <a:t>.</a:t>
-            </a:r>
-            <a:endParaRPr lang="ko-KR" altLang="en-US" sz="1600" dirty="0">
+              <a:t>– </a:t>
+            </a:r>
+            <a:r>
+              <a:rPr lang="ko-KR" altLang="en-US" sz="1600" b="1" dirty="0" smtClean="0">
+                <a:solidFill>
+                  <a:schemeClr val="accent6">
+                    <a:lumMod val="60000"/>
+                    <a:lumOff val="40000"/>
+                  </a:schemeClr>
+                </a:solidFill>
+              </a:rPr>
+              <a:t>개발자 등록 및 앱 생성 </a:t>
+            </a:r>
+            <a:r>
+              <a:rPr lang="en-US" altLang="ko-KR" sz="1600" b="1" dirty="0" smtClean="0">
+                <a:solidFill>
+                  <a:schemeClr val="accent6">
+                    <a:lumMod val="60000"/>
+                    <a:lumOff val="40000"/>
+                  </a:schemeClr>
+                </a:solidFill>
+              </a:rPr>
+              <a:t>– </a:t>
+            </a:r>
+            <a:r>
+              <a:rPr lang="ko-KR" altLang="en-US" sz="1600" b="1" dirty="0" smtClean="0">
+                <a:solidFill>
+                  <a:schemeClr val="accent6">
+                    <a:lumMod val="60000"/>
+                    <a:lumOff val="40000"/>
+                  </a:schemeClr>
+                </a:solidFill>
+              </a:rPr>
+              <a:t>웹 플랫폼 추가 </a:t>
+            </a:r>
+            <a:r>
+              <a:rPr lang="en-US" altLang="ko-KR" sz="1600" b="1" dirty="0" smtClean="0">
+                <a:solidFill>
+                  <a:schemeClr val="accent6">
+                    <a:lumMod val="60000"/>
+                    <a:lumOff val="40000"/>
+                  </a:schemeClr>
+                </a:solidFill>
+              </a:rPr>
+              <a:t>– </a:t>
+            </a:r>
+            <a:r>
+              <a:rPr lang="ko-KR" altLang="en-US" sz="1600" b="1" dirty="0" smtClean="0">
+                <a:solidFill>
+                  <a:schemeClr val="accent6">
+                    <a:lumMod val="60000"/>
+                    <a:lumOff val="40000"/>
+                  </a:schemeClr>
+                </a:solidFill>
+              </a:rPr>
+              <a:t>사이드 도매인 등록</a:t>
+            </a:r>
+            <a:r>
+              <a:rPr lang="en-US" altLang="ko-KR" sz="1600" b="1" dirty="0" smtClean="0">
+                <a:solidFill>
+                  <a:schemeClr val="accent6">
+                    <a:lumMod val="60000"/>
+                    <a:lumOff val="40000"/>
+                  </a:schemeClr>
+                </a:solidFill>
+              </a:rPr>
+              <a:t> </a:t>
+            </a:r>
+            <a:endParaRPr lang="ko-KR" altLang="en-US" sz="1600" b="1" dirty="0">
               <a:solidFill>
                 <a:schemeClr val="accent6">
                   <a:lumMod val="60000"/>
@@ -16312,8 +16802,8 @@
         </p:blipFill>
         <p:spPr>
           <a:xfrm>
-            <a:off x="1423585" y="1571366"/>
-            <a:ext cx="3477110" cy="2152950"/>
+            <a:off x="1304829" y="1918843"/>
+            <a:ext cx="3986595" cy="1187772"/>
           </a:xfrm>
           <a:prstGeom prst="rect">
             <a:avLst/>
@@ -16322,7 +16812,7 @@
       </p:pic>
       <p:pic>
         <p:nvPicPr>
-          <p:cNvPr id="3" name="그림 2"/>
+          <p:cNvPr id="4" name="그림 3"/>
           <p:cNvPicPr>
             <a:picLocks noChangeAspect="1"/>
           </p:cNvPicPr>
@@ -16342,8 +16832,8 @@
         </p:blipFill>
         <p:spPr>
           <a:xfrm>
-            <a:off x="5163424" y="2170433"/>
-            <a:ext cx="4029637" cy="209579"/>
+            <a:off x="5900209" y="1918843"/>
+            <a:ext cx="3361578" cy="4165434"/>
           </a:xfrm>
           <a:prstGeom prst="rect">
             <a:avLst/>
@@ -16352,7 +16842,7 @@
       </p:pic>
       <p:pic>
         <p:nvPicPr>
-          <p:cNvPr id="5" name="그림 4"/>
+          <p:cNvPr id="7" name="그림 6"/>
           <p:cNvPicPr>
             <a:picLocks noChangeAspect="1"/>
           </p:cNvPicPr>
@@ -16372,8 +16862,8 @@
         </p:blipFill>
         <p:spPr>
           <a:xfrm>
-            <a:off x="5163424" y="1571366"/>
-            <a:ext cx="2448267" cy="400106"/>
+            <a:off x="1304829" y="3811351"/>
+            <a:ext cx="3986595" cy="1446613"/>
           </a:xfrm>
           <a:prstGeom prst="rect">
             <a:avLst/>
@@ -16383,7 +16873,7 @@
     </p:spTree>
     <p:extLst>
       <p:ext uri="{BB962C8B-B14F-4D97-AF65-F5344CB8AC3E}">
-        <p14:creationId xmlns:p14="http://schemas.microsoft.com/office/powerpoint/2010/main" val="2234747841"/>
+        <p14:creationId xmlns:p14="http://schemas.microsoft.com/office/powerpoint/2010/main" val="604584874"/>
       </p:ext>
     </p:extLst>
   </p:cSld>
@@ -16423,7 +16913,7 @@
         <p:spPr>
           <a:xfrm>
             <a:off x="1107452" y="926275"/>
-            <a:ext cx="4541958" cy="549765"/>
+            <a:ext cx="6480880" cy="549765"/>
           </a:xfrm>
         </p:spPr>
         <p:txBody>
@@ -16440,10 +16930,10 @@
                 </a:solidFill>
                 <a:latin typeface="+mj-ea"/>
               </a:rPr>
-              <a:t>2. </a:t>
-            </a:r>
-            <a:r>
-              <a:rPr lang="ko-KR" altLang="en-US" sz="2800" b="1" dirty="0" smtClean="0">
+              <a:t>2-2</a:t>
+            </a:r>
+            <a:r>
+              <a:rPr lang="en-US" altLang="ko-KR" sz="2800" b="1" dirty="0" smtClean="0">
                 <a:solidFill>
                   <a:schemeClr val="accent1">
                     <a:lumMod val="40000"/>
@@ -16452,7 +16942,55 @@
                 </a:solidFill>
                 <a:latin typeface="+mj-ea"/>
               </a:rPr>
-              <a:t>기능 동작 테스트</a:t>
+              <a:t>. </a:t>
+            </a:r>
+            <a:r>
+              <a:rPr lang="en-US" altLang="ko-KR" sz="2800" b="1" dirty="0" err="1" smtClean="0">
+                <a:solidFill>
+                  <a:schemeClr val="accent1">
+                    <a:lumMod val="40000"/>
+                    <a:lumOff val="60000"/>
+                  </a:schemeClr>
+                </a:solidFill>
+                <a:latin typeface="+mj-ea"/>
+              </a:rPr>
+              <a:t>KaKao</a:t>
+            </a:r>
+            <a:r>
+              <a:rPr lang="en-US" altLang="ko-KR" sz="2800" b="1" dirty="0" smtClean="0">
+                <a:solidFill>
+                  <a:schemeClr val="accent1">
+                    <a:lumMod val="40000"/>
+                    <a:lumOff val="60000"/>
+                  </a:schemeClr>
+                </a:solidFill>
+                <a:latin typeface="+mj-ea"/>
+              </a:rPr>
+              <a:t> Maps API </a:t>
+            </a:r>
+            <a:r>
+              <a:rPr lang="ko-KR" altLang="en-US" sz="2800" b="1" dirty="0" smtClean="0">
+                <a:solidFill>
+                  <a:schemeClr val="accent1">
+                    <a:lumMod val="40000"/>
+                    <a:lumOff val="60000"/>
+                  </a:schemeClr>
+                </a:solidFill>
+                <a:latin typeface="+mj-ea"/>
+              </a:rPr>
+              <a:t>신청 및 </a:t>
+            </a:r>
+            <a:r>
+              <a:rPr lang="ko-KR" altLang="en-US" sz="2800" b="1" dirty="0" smtClean="0">
+                <a:solidFill>
+                  <a:schemeClr val="accent1">
+                    <a:lumMod val="40000"/>
+                    <a:lumOff val="60000"/>
+                  </a:schemeClr>
+                </a:solidFill>
+                <a:latin typeface="+mj-ea"/>
+              </a:rPr>
+              <a:t>확인</a:t>
             </a:r>
             <a:endParaRPr lang="ko-KR" altLang="en-US" sz="2800" b="1" dirty="0">
               <a:solidFill>
@@ -16476,8 +17014,8 @@
         </p:nvSpPr>
         <p:spPr bwMode="gray">
           <a:xfrm>
-            <a:off x="1423585" y="4523499"/>
-            <a:ext cx="6514844" cy="330561"/>
+            <a:off x="1304829" y="1489745"/>
+            <a:ext cx="9509709" cy="330561"/>
           </a:xfrm>
           <a:prstGeom prst="rect">
             <a:avLst/>
@@ -16561,7 +17099,7 @@
           </a:lstStyle>
           <a:p>
             <a:r>
-              <a:rPr lang="en-US" altLang="ko-KR" sz="1600" dirty="0" smtClean="0">
+              <a:rPr lang="ko-KR" altLang="en-US" sz="1600" b="1" dirty="0" err="1" smtClean="0">
                 <a:solidFill>
                   <a:schemeClr val="accent6">
                     <a:lumMod val="60000"/>
@@ -16569,10 +17107,10 @@
                   </a:schemeClr>
                 </a:solidFill>
               </a:rPr>
-              <a:t>- </a:t>
-            </a:r>
-            <a:r>
-              <a:rPr lang="ko-KR" altLang="en-US" sz="1600" dirty="0" err="1" smtClean="0">
+              <a:t>마커</a:t>
+            </a:r>
+            <a:r>
+              <a:rPr lang="ko-KR" altLang="en-US" sz="1600" b="1" dirty="0" smtClean="0">
                 <a:solidFill>
                   <a:schemeClr val="accent6">
                     <a:lumMod val="60000"/>
@@ -16580,10 +17118,10 @@
                   </a:schemeClr>
                 </a:solidFill>
               </a:rPr>
-              <a:t>글목록</a:t>
-            </a:r>
-            <a:r>
-              <a:rPr lang="en-US" altLang="ko-KR" sz="1600" dirty="0" smtClean="0">
+              <a:t> 생성하기 지도 샘플 사용</a:t>
+            </a:r>
+            <a:r>
+              <a:rPr lang="ko-KR" altLang="en-US" sz="1600" b="1" dirty="0" smtClean="0">
                 <a:solidFill>
                   <a:schemeClr val="accent6">
                     <a:lumMod val="60000"/>
@@ -16591,64 +17129,9 @@
                   </a:schemeClr>
                 </a:solidFill>
               </a:rPr>
-              <a:t> ,</a:t>
-            </a:r>
-            <a:r>
-              <a:rPr lang="ko-KR" altLang="en-US" sz="1600" dirty="0" smtClean="0">
-                <a:solidFill>
-                  <a:schemeClr val="accent6">
-                    <a:lumMod val="60000"/>
-                    <a:lumOff val="40000"/>
-                  </a:schemeClr>
-                </a:solidFill>
-              </a:rPr>
-              <a:t>글쓰기</a:t>
-            </a:r>
-            <a:r>
-              <a:rPr lang="en-US" altLang="ko-KR" sz="1600" dirty="0" smtClean="0">
-                <a:solidFill>
-                  <a:schemeClr val="accent6">
-                    <a:lumMod val="60000"/>
-                    <a:lumOff val="40000"/>
-                  </a:schemeClr>
-                </a:solidFill>
-              </a:rPr>
-              <a:t>, </a:t>
-            </a:r>
-            <a:r>
-              <a:rPr lang="ko-KR" altLang="en-US" sz="1600" dirty="0" err="1" smtClean="0">
-                <a:solidFill>
-                  <a:schemeClr val="accent6">
-                    <a:lumMod val="60000"/>
-                    <a:lumOff val="40000"/>
-                  </a:schemeClr>
-                </a:solidFill>
-              </a:rPr>
-              <a:t>글보기</a:t>
-            </a:r>
-            <a:r>
-              <a:rPr lang="ko-KR" altLang="en-US" sz="1600" dirty="0" smtClean="0">
-                <a:solidFill>
-                  <a:schemeClr val="accent6">
-                    <a:lumMod val="60000"/>
-                    <a:lumOff val="40000"/>
-                  </a:schemeClr>
-                </a:solidFill>
-              </a:rPr>
-              <a:t> 기능이 작동 되는걸 확인했습니다</a:t>
-            </a:r>
-            <a:r>
-              <a:rPr lang="en-US" altLang="ko-KR" sz="1600" dirty="0" smtClean="0">
-                <a:solidFill>
-                  <a:schemeClr val="accent6">
-                    <a:lumMod val="60000"/>
-                    <a:lumOff val="40000"/>
-                  </a:schemeClr>
-                </a:solidFill>
-              </a:rPr>
-              <a:t>.</a:t>
-            </a:r>
-            <a:endParaRPr lang="ko-KR" altLang="en-US" sz="1600" dirty="0">
+              <a:t> </a:t>
+            </a:r>
+            <a:endParaRPr lang="ko-KR" altLang="en-US" sz="1600" b="1" dirty="0">
               <a:solidFill>
                 <a:schemeClr val="accent6">
                   <a:lumMod val="60000"/>
@@ -16661,7 +17144,7 @@
       </p:sp>
       <p:pic>
         <p:nvPicPr>
-          <p:cNvPr id="4" name="그림 3"/>
+          <p:cNvPr id="3" name="그림 2"/>
           <p:cNvPicPr>
             <a:picLocks noChangeAspect="1"/>
           </p:cNvPicPr>
@@ -16681,68 +17164,8 @@
         </p:blipFill>
         <p:spPr>
           <a:xfrm>
-            <a:off x="1423585" y="1492224"/>
-            <a:ext cx="3035707" cy="2230061"/>
-          </a:xfrm>
-          <a:prstGeom prst="rect">
-            <a:avLst/>
-          </a:prstGeom>
-        </p:spPr>
-      </p:pic>
-      <p:pic>
-        <p:nvPicPr>
-          <p:cNvPr id="7" name="그림 6"/>
-          <p:cNvPicPr>
-            <a:picLocks noChangeAspect="1"/>
-          </p:cNvPicPr>
-          <p:nvPr/>
-        </p:nvPicPr>
-        <p:blipFill>
-          <a:blip r:embed="rId3">
-            <a:extLst>
-              <a:ext uri="{28A0092B-C50C-407E-A947-70E740481C1C}">
-                <a14:useLocalDpi xmlns:a14="http://schemas.microsoft.com/office/drawing/2010/main" val="0"/>
-              </a:ext>
-            </a:extLst>
-          </a:blip>
-          <a:stretch>
-            <a:fillRect/>
-          </a:stretch>
-        </p:blipFill>
-        <p:spPr>
-          <a:xfrm>
-            <a:off x="4600349" y="1492224"/>
-            <a:ext cx="2965704" cy="2240309"/>
-          </a:xfrm>
-          <a:prstGeom prst="rect">
-            <a:avLst/>
-          </a:prstGeom>
-        </p:spPr>
-      </p:pic>
-      <p:pic>
-        <p:nvPicPr>
-          <p:cNvPr id="8" name="그림 7"/>
-          <p:cNvPicPr>
-            <a:picLocks noChangeAspect="1"/>
-          </p:cNvPicPr>
-          <p:nvPr/>
-        </p:nvPicPr>
-        <p:blipFill>
-          <a:blip r:embed="rId4">
-            <a:extLst>
-              <a:ext uri="{28A0092B-C50C-407E-A947-70E740481C1C}">
-                <a14:useLocalDpi xmlns:a14="http://schemas.microsoft.com/office/drawing/2010/main" val="0"/>
-              </a:ext>
-            </a:extLst>
-          </a:blip>
-          <a:stretch>
-            <a:fillRect/>
-          </a:stretch>
-        </p:blipFill>
-        <p:spPr>
-          <a:xfrm>
-            <a:off x="7707111" y="1492224"/>
-            <a:ext cx="3378978" cy="2234187"/>
+            <a:off x="1304828" y="1918843"/>
+            <a:ext cx="6456861" cy="3639745"/>
           </a:xfrm>
           <a:prstGeom prst="rect">
             <a:avLst/>
@@ -16752,7 +17175,7 @@
     </p:spTree>
     <p:extLst>
       <p:ext uri="{BB962C8B-B14F-4D97-AF65-F5344CB8AC3E}">
-        <p14:creationId xmlns:p14="http://schemas.microsoft.com/office/powerpoint/2010/main" val="1488280829"/>
+        <p14:creationId xmlns:p14="http://schemas.microsoft.com/office/powerpoint/2010/main" val="3643629616"/>
       </p:ext>
     </p:extLst>
   </p:cSld>
@@ -16792,7 +17215,7 @@
         <p:spPr>
           <a:xfrm>
             <a:off x="1107452" y="926275"/>
-            <a:ext cx="4541958" cy="549765"/>
+            <a:ext cx="6480880" cy="549765"/>
           </a:xfrm>
         </p:spPr>
         <p:txBody>
@@ -16809,7 +17232,7 @@
                 </a:solidFill>
                 <a:latin typeface="+mj-ea"/>
               </a:rPr>
-              <a:t>2. </a:t>
+              <a:t>3-1. </a:t>
             </a:r>
             <a:r>
               <a:rPr lang="ko-KR" altLang="en-US" sz="2800" b="1" dirty="0" smtClean="0">
@@ -16821,7 +17244,7 @@
                 </a:solidFill>
                 <a:latin typeface="+mj-ea"/>
               </a:rPr>
-              <a:t>기능 동작 테스트</a:t>
+              <a:t>공공데이터를 활용한 서비스 개발</a:t>
             </a:r>
             <a:endParaRPr lang="ko-KR" altLang="en-US" sz="2800" b="1" dirty="0">
               <a:solidFill>
@@ -16845,8 +17268,8 @@
         </p:nvSpPr>
         <p:spPr bwMode="gray">
           <a:xfrm>
-            <a:off x="1423585" y="4523499"/>
-            <a:ext cx="6514844" cy="330561"/>
+            <a:off x="1304829" y="1489745"/>
+            <a:ext cx="9509709" cy="330561"/>
           </a:xfrm>
           <a:prstGeom prst="rect">
             <a:avLst/>
@@ -16930,7 +17353,7 @@
           </a:lstStyle>
           <a:p>
             <a:r>
-              <a:rPr lang="en-US" altLang="ko-KR" sz="1600" dirty="0" smtClean="0">
+              <a:rPr lang="en-US" altLang="ko-KR" sz="1600" b="1" dirty="0" smtClean="0">
                 <a:solidFill>
                   <a:schemeClr val="accent6">
                     <a:lumMod val="60000"/>
@@ -16938,10 +17361,10 @@
                   </a:schemeClr>
                 </a:solidFill>
               </a:rPr>
-              <a:t>- </a:t>
-            </a:r>
-            <a:r>
-              <a:rPr lang="ko-KR" altLang="en-US" sz="1600" dirty="0" err="1" smtClean="0">
+              <a:t>Spring </a:t>
+            </a:r>
+            <a:r>
+              <a:rPr lang="en-US" altLang="ko-KR" sz="1600" b="1" dirty="0" err="1" smtClean="0">
                 <a:solidFill>
                   <a:schemeClr val="accent6">
                     <a:lumMod val="60000"/>
@@ -16949,10 +17372,10 @@
                   </a:schemeClr>
                 </a:solidFill>
               </a:rPr>
-              <a:t>글삭제</a:t>
-            </a:r>
-            <a:r>
-              <a:rPr lang="en-US" altLang="ko-KR" sz="1600" dirty="0" smtClean="0">
+              <a:t>initializr</a:t>
+            </a:r>
+            <a:r>
+              <a:rPr lang="ko-KR" altLang="en-US" sz="1600" b="1" dirty="0" smtClean="0">
                 <a:solidFill>
                   <a:schemeClr val="accent6">
                     <a:lumMod val="60000"/>
@@ -16960,42 +17383,9 @@
                   </a:schemeClr>
                 </a:solidFill>
               </a:rPr>
-              <a:t>, </a:t>
-            </a:r>
-            <a:r>
-              <a:rPr lang="ko-KR" altLang="en-US" sz="1600" dirty="0" err="1" smtClean="0">
-                <a:solidFill>
-                  <a:schemeClr val="accent6">
-                    <a:lumMod val="60000"/>
-                    <a:lumOff val="40000"/>
-                  </a:schemeClr>
-                </a:solidFill>
-              </a:rPr>
-              <a:t>글수정</a:t>
-            </a:r>
-            <a:r>
-              <a:rPr lang="ko-KR" altLang="en-US" sz="1600" dirty="0" smtClean="0">
-                <a:solidFill>
-                  <a:schemeClr val="accent6">
-                    <a:lumMod val="60000"/>
-                    <a:lumOff val="40000"/>
-                  </a:schemeClr>
-                </a:solidFill>
-              </a:rPr>
-              <a:t> 기능이 작동 되는걸 확인했습니다</a:t>
-            </a:r>
-            <a:r>
-              <a:rPr lang="en-US" altLang="ko-KR" sz="1600" dirty="0" smtClean="0">
-                <a:solidFill>
-                  <a:schemeClr val="accent6">
-                    <a:lumMod val="60000"/>
-                    <a:lumOff val="40000"/>
-                  </a:schemeClr>
-                </a:solidFill>
-              </a:rPr>
-              <a:t>.</a:t>
-            </a:r>
-            <a:endParaRPr lang="ko-KR" altLang="en-US" sz="1600" dirty="0">
+              <a:t>으로 프로젝트 생성</a:t>
+            </a:r>
+            <a:endParaRPr lang="ko-KR" altLang="en-US" sz="1600" b="1" dirty="0">
               <a:solidFill>
                 <a:schemeClr val="accent6">
                   <a:lumMod val="60000"/>
@@ -17028,68 +17418,8 @@
         </p:blipFill>
         <p:spPr>
           <a:xfrm>
-            <a:off x="4626140" y="1485708"/>
-            <a:ext cx="3205895" cy="2225116"/>
-          </a:xfrm>
-          <a:prstGeom prst="rect">
-            <a:avLst/>
-          </a:prstGeom>
-        </p:spPr>
-      </p:pic>
-      <p:pic>
-        <p:nvPicPr>
-          <p:cNvPr id="3" name="그림 2"/>
-          <p:cNvPicPr>
-            <a:picLocks noChangeAspect="1"/>
-          </p:cNvPicPr>
-          <p:nvPr/>
-        </p:nvPicPr>
-        <p:blipFill>
-          <a:blip r:embed="rId3">
-            <a:extLst>
-              <a:ext uri="{28A0092B-C50C-407E-A947-70E740481C1C}">
-                <a14:useLocalDpi xmlns:a14="http://schemas.microsoft.com/office/drawing/2010/main" val="0"/>
-              </a:ext>
-            </a:extLst>
-          </a:blip>
-          <a:stretch>
-            <a:fillRect/>
-          </a:stretch>
-        </p:blipFill>
-        <p:spPr>
-          <a:xfrm>
-            <a:off x="7938430" y="1485708"/>
-            <a:ext cx="2969670" cy="2219354"/>
-          </a:xfrm>
-          <a:prstGeom prst="rect">
-            <a:avLst/>
-          </a:prstGeom>
-        </p:spPr>
-      </p:pic>
-      <p:pic>
-        <p:nvPicPr>
-          <p:cNvPr id="5" name="그림 4"/>
-          <p:cNvPicPr>
-            <a:picLocks noChangeAspect="1"/>
-          </p:cNvPicPr>
-          <p:nvPr/>
-        </p:nvPicPr>
-        <p:blipFill>
-          <a:blip r:embed="rId4">
-            <a:extLst>
-              <a:ext uri="{28A0092B-C50C-407E-A947-70E740481C1C}">
-                <a14:useLocalDpi xmlns:a14="http://schemas.microsoft.com/office/drawing/2010/main" val="0"/>
-              </a:ext>
-            </a:extLst>
-          </a:blip>
-          <a:stretch>
-            <a:fillRect/>
-          </a:stretch>
-        </p:blipFill>
-        <p:spPr>
-          <a:xfrm>
-            <a:off x="1517921" y="1485708"/>
-            <a:ext cx="2999126" cy="2219354"/>
+            <a:off x="1304828" y="1918844"/>
+            <a:ext cx="7035299" cy="4024756"/>
           </a:xfrm>
           <a:prstGeom prst="rect">
             <a:avLst/>
@@ -17099,7 +17429,7 @@
     </p:spTree>
     <p:extLst>
       <p:ext uri="{BB962C8B-B14F-4D97-AF65-F5344CB8AC3E}">
-        <p14:creationId xmlns:p14="http://schemas.microsoft.com/office/powerpoint/2010/main" val="435829171"/>
+        <p14:creationId xmlns:p14="http://schemas.microsoft.com/office/powerpoint/2010/main" val="808135211"/>
       </p:ext>
     </p:extLst>
   </p:cSld>
@@ -17128,7 +17458,7 @@
       </p:grpSpPr>
       <p:sp>
         <p:nvSpPr>
-          <p:cNvPr id="2" name="제목 1"/>
+          <p:cNvPr id="6" name="제목 5"/>
           <p:cNvSpPr>
             <a:spLocks noGrp="1"/>
           </p:cNvSpPr>
@@ -17138,8 +17468,8 @@
         </p:nvSpPr>
         <p:spPr>
           <a:xfrm>
-            <a:off x="5513199" y="2826328"/>
-            <a:ext cx="1113232" cy="989152"/>
+            <a:off x="1107452" y="926275"/>
+            <a:ext cx="6480880" cy="549765"/>
           </a:xfrm>
         </p:spPr>
         <p:txBody>
@@ -17147,7 +17477,137 @@
           <a:lstStyle/>
           <a:p>
             <a:r>
-              <a:rPr lang="ko-KR" altLang="en-US" dirty="0" smtClean="0">
+              <a:rPr lang="en-US" altLang="ko-KR" sz="2800" b="1" dirty="0" smtClean="0">
+                <a:solidFill>
+                  <a:schemeClr val="accent1">
+                    <a:lumMod val="40000"/>
+                    <a:lumOff val="60000"/>
+                  </a:schemeClr>
+                </a:solidFill>
+                <a:latin typeface="+mj-ea"/>
+              </a:rPr>
+              <a:t>3-2. </a:t>
+            </a:r>
+            <a:r>
+              <a:rPr lang="ko-KR" altLang="en-US" sz="2800" b="1" dirty="0" smtClean="0">
+                <a:solidFill>
+                  <a:schemeClr val="accent1">
+                    <a:lumMod val="40000"/>
+                    <a:lumOff val="60000"/>
+                  </a:schemeClr>
+                </a:solidFill>
+                <a:latin typeface="+mj-ea"/>
+              </a:rPr>
+              <a:t>공공데이터를 활용한 서비스 개발</a:t>
+            </a:r>
+            <a:endParaRPr lang="ko-KR" altLang="en-US" sz="2800" b="1" dirty="0">
+              <a:solidFill>
+                <a:schemeClr val="accent1">
+                  <a:lumMod val="40000"/>
+                  <a:lumOff val="60000"/>
+                </a:schemeClr>
+              </a:solidFill>
+              <a:latin typeface="+mj-ea"/>
+            </a:endParaRPr>
+          </a:p>
+        </p:txBody>
+      </p:sp>
+      <p:sp>
+        <p:nvSpPr>
+          <p:cNvPr id="19" name="제목 5"/>
+          <p:cNvSpPr txBox="1">
+            <a:spLocks/>
+          </p:cNvSpPr>
+          <p:nvPr/>
+        </p:nvSpPr>
+        <p:spPr bwMode="gray">
+          <a:xfrm>
+            <a:off x="1304829" y="1489745"/>
+            <a:ext cx="9509709" cy="330561"/>
+          </a:xfrm>
+          <a:prstGeom prst="rect">
+            <a:avLst/>
+          </a:prstGeom>
+        </p:spPr>
+        <p:txBody>
+          <a:bodyPr vert="horz" lIns="91440" tIns="45720" rIns="91440" bIns="45720" rtlCol="0" anchor="b">
+            <a:noAutofit/>
+          </a:bodyPr>
+          <a:lstStyle>
+            <a:lvl1pPr algn="l" defTabSz="457200" rtl="0" eaLnBrk="1" latinLnBrk="1" hangingPunct="1">
+              <a:spcBef>
+                <a:spcPct val="0"/>
+              </a:spcBef>
+              <a:buNone/>
+              <a:defRPr sz="5400" b="0" i="0" kern="1200">
+                <a:solidFill>
+                  <a:schemeClr val="bg2"/>
+                </a:solidFill>
+                <a:latin typeface="+mj-lt"/>
+                <a:ea typeface="+mj-ea"/>
+                <a:cs typeface="+mj-cs"/>
+              </a:defRPr>
+            </a:lvl1pPr>
+            <a:lvl2pPr eaLnBrk="1" latinLnBrk="1" hangingPunct="1">
+              <a:defRPr>
+                <a:solidFill>
+                  <a:schemeClr val="tx2"/>
+                </a:solidFill>
+              </a:defRPr>
+            </a:lvl2pPr>
+            <a:lvl3pPr eaLnBrk="1" latinLnBrk="1" hangingPunct="1">
+              <a:defRPr>
+                <a:solidFill>
+                  <a:schemeClr val="tx2"/>
+                </a:solidFill>
+              </a:defRPr>
+            </a:lvl3pPr>
+            <a:lvl4pPr eaLnBrk="1" latinLnBrk="1" hangingPunct="1">
+              <a:defRPr>
+                <a:solidFill>
+                  <a:schemeClr val="tx2"/>
+                </a:solidFill>
+              </a:defRPr>
+            </a:lvl4pPr>
+            <a:lvl5pPr eaLnBrk="1" latinLnBrk="1" hangingPunct="1">
+              <a:defRPr>
+                <a:solidFill>
+                  <a:schemeClr val="tx2"/>
+                </a:solidFill>
+              </a:defRPr>
+            </a:lvl5pPr>
+            <a:lvl6pPr eaLnBrk="1" latinLnBrk="1" hangingPunct="1">
+              <a:defRPr>
+                <a:solidFill>
+                  <a:schemeClr val="tx2"/>
+                </a:solidFill>
+              </a:defRPr>
+            </a:lvl6pPr>
+            <a:lvl7pPr eaLnBrk="1" latinLnBrk="1" hangingPunct="1">
+              <a:defRPr>
+                <a:solidFill>
+                  <a:schemeClr val="tx2"/>
+                </a:solidFill>
+              </a:defRPr>
+            </a:lvl7pPr>
+            <a:lvl8pPr eaLnBrk="1" latinLnBrk="1" hangingPunct="1">
+              <a:defRPr>
+                <a:solidFill>
+                  <a:schemeClr val="tx2"/>
+                </a:solidFill>
+              </a:defRPr>
+            </a:lvl8pPr>
+            <a:lvl9pPr eaLnBrk="1" latinLnBrk="1" hangingPunct="1">
+              <a:defRPr>
+                <a:solidFill>
+                  <a:schemeClr val="tx2"/>
+                </a:solidFill>
+              </a:defRPr>
+            </a:lvl9pPr>
+          </a:lstStyle>
+          <a:p>
+            <a:r>
+              <a:rPr lang="ko-KR" altLang="en-US" sz="1600" b="1" dirty="0" smtClean="0">
                 <a:solidFill>
                   <a:schemeClr val="accent6">
                     <a:lumMod val="60000"/>
@@ -17155,9 +17615,654 @@
                   </a:schemeClr>
                 </a:solidFill>
               </a:rPr>
-              <a:t>끝</a:t>
-            </a:r>
-            <a:endParaRPr lang="ko-KR" altLang="en-US" dirty="0">
+              <a:t>인텔리제이로 프로젝트 열기</a:t>
+            </a:r>
+            <a:endParaRPr lang="ko-KR" altLang="en-US" sz="1600" b="1" dirty="0">
+              <a:solidFill>
+                <a:schemeClr val="accent6">
+                  <a:lumMod val="60000"/>
+                  <a:lumOff val="40000"/>
+                </a:schemeClr>
+              </a:solidFill>
+            </a:endParaRPr>
+          </a:p>
+        </p:txBody>
+      </p:sp>
+      <p:pic>
+        <p:nvPicPr>
+          <p:cNvPr id="3" name="그림 2"/>
+          <p:cNvPicPr>
+            <a:picLocks noChangeAspect="1"/>
+          </p:cNvPicPr>
+          <p:nvPr/>
+        </p:nvPicPr>
+        <p:blipFill>
+          <a:blip r:embed="rId2">
+            <a:extLst>
+              <a:ext uri="{28A0092B-C50C-407E-A947-70E740481C1C}">
+                <a14:useLocalDpi xmlns:a14="http://schemas.microsoft.com/office/drawing/2010/main" val="0"/>
+              </a:ext>
+            </a:extLst>
+          </a:blip>
+          <a:stretch>
+            <a:fillRect/>
+          </a:stretch>
+        </p:blipFill>
+        <p:spPr>
+          <a:xfrm>
+            <a:off x="1304829" y="1918844"/>
+            <a:ext cx="3150680" cy="2833630"/>
+          </a:xfrm>
+          <a:prstGeom prst="rect">
+            <a:avLst/>
+          </a:prstGeom>
+        </p:spPr>
+      </p:pic>
+      <p:pic>
+        <p:nvPicPr>
+          <p:cNvPr id="4" name="그림 3"/>
+          <p:cNvPicPr>
+            <a:picLocks noChangeAspect="1"/>
+          </p:cNvPicPr>
+          <p:nvPr/>
+        </p:nvPicPr>
+        <p:blipFill>
+          <a:blip r:embed="rId3">
+            <a:extLst>
+              <a:ext uri="{28A0092B-C50C-407E-A947-70E740481C1C}">
+                <a14:useLocalDpi xmlns:a14="http://schemas.microsoft.com/office/drawing/2010/main" val="0"/>
+              </a:ext>
+            </a:extLst>
+          </a:blip>
+          <a:stretch>
+            <a:fillRect/>
+          </a:stretch>
+        </p:blipFill>
+        <p:spPr>
+          <a:xfrm>
+            <a:off x="4904993" y="1918844"/>
+            <a:ext cx="2938026" cy="2833630"/>
+          </a:xfrm>
+          <a:prstGeom prst="rect">
+            <a:avLst/>
+          </a:prstGeom>
+        </p:spPr>
+      </p:pic>
+      <p:sp>
+        <p:nvSpPr>
+          <p:cNvPr id="7" name="제목 5"/>
+          <p:cNvSpPr txBox="1">
+            <a:spLocks/>
+          </p:cNvSpPr>
+          <p:nvPr/>
+        </p:nvSpPr>
+        <p:spPr bwMode="gray">
+          <a:xfrm>
+            <a:off x="8158939" y="2084375"/>
+            <a:ext cx="2801830" cy="330561"/>
+          </a:xfrm>
+          <a:prstGeom prst="rect">
+            <a:avLst/>
+          </a:prstGeom>
+        </p:spPr>
+        <p:txBody>
+          <a:bodyPr vert="horz" lIns="91440" tIns="45720" rIns="91440" bIns="45720" rtlCol="0" anchor="b">
+            <a:noAutofit/>
+          </a:bodyPr>
+          <a:lstStyle>
+            <a:lvl1pPr algn="l" defTabSz="457200" rtl="0" eaLnBrk="1" latinLnBrk="1" hangingPunct="1">
+              <a:spcBef>
+                <a:spcPct val="0"/>
+              </a:spcBef>
+              <a:buNone/>
+              <a:defRPr sz="5400" b="0" i="0" kern="1200">
+                <a:solidFill>
+                  <a:schemeClr val="bg2"/>
+                </a:solidFill>
+                <a:latin typeface="+mj-lt"/>
+                <a:ea typeface="+mj-ea"/>
+                <a:cs typeface="+mj-cs"/>
+              </a:defRPr>
+            </a:lvl1pPr>
+            <a:lvl2pPr eaLnBrk="1" latinLnBrk="1" hangingPunct="1">
+              <a:defRPr>
+                <a:solidFill>
+                  <a:schemeClr val="tx2"/>
+                </a:solidFill>
+              </a:defRPr>
+            </a:lvl2pPr>
+            <a:lvl3pPr eaLnBrk="1" latinLnBrk="1" hangingPunct="1">
+              <a:defRPr>
+                <a:solidFill>
+                  <a:schemeClr val="tx2"/>
+                </a:solidFill>
+              </a:defRPr>
+            </a:lvl3pPr>
+            <a:lvl4pPr eaLnBrk="1" latinLnBrk="1" hangingPunct="1">
+              <a:defRPr>
+                <a:solidFill>
+                  <a:schemeClr val="tx2"/>
+                </a:solidFill>
+              </a:defRPr>
+            </a:lvl4pPr>
+            <a:lvl5pPr eaLnBrk="1" latinLnBrk="1" hangingPunct="1">
+              <a:defRPr>
+                <a:solidFill>
+                  <a:schemeClr val="tx2"/>
+                </a:solidFill>
+              </a:defRPr>
+            </a:lvl5pPr>
+            <a:lvl6pPr eaLnBrk="1" latinLnBrk="1" hangingPunct="1">
+              <a:defRPr>
+                <a:solidFill>
+                  <a:schemeClr val="tx2"/>
+                </a:solidFill>
+              </a:defRPr>
+            </a:lvl6pPr>
+            <a:lvl7pPr eaLnBrk="1" latinLnBrk="1" hangingPunct="1">
+              <a:defRPr>
+                <a:solidFill>
+                  <a:schemeClr val="tx2"/>
+                </a:solidFill>
+              </a:defRPr>
+            </a:lvl7pPr>
+            <a:lvl8pPr eaLnBrk="1" latinLnBrk="1" hangingPunct="1">
+              <a:defRPr>
+                <a:solidFill>
+                  <a:schemeClr val="tx2"/>
+                </a:solidFill>
+              </a:defRPr>
+            </a:lvl8pPr>
+            <a:lvl9pPr eaLnBrk="1" latinLnBrk="1" hangingPunct="1">
+              <a:defRPr>
+                <a:solidFill>
+                  <a:schemeClr val="tx2"/>
+                </a:solidFill>
+              </a:defRPr>
+            </a:lvl9pPr>
+          </a:lstStyle>
+          <a:p>
+            <a:r>
+              <a:rPr lang="ko-KR" altLang="en-US" sz="1600" b="1" dirty="0" smtClean="0">
+                <a:solidFill>
+                  <a:schemeClr val="accent6">
+                    <a:lumMod val="60000"/>
+                    <a:lumOff val="40000"/>
+                  </a:schemeClr>
+                </a:solidFill>
+              </a:rPr>
+              <a:t> </a:t>
+            </a:r>
+            <a:r>
+              <a:rPr lang="en-US" altLang="ko-KR" sz="1600" b="1" dirty="0" smtClean="0">
+                <a:solidFill>
+                  <a:schemeClr val="accent6">
+                    <a:lumMod val="60000"/>
+                    <a:lumOff val="40000"/>
+                  </a:schemeClr>
+                </a:solidFill>
+              </a:rPr>
+              <a:t>- Controller </a:t>
+            </a:r>
+            <a:r>
+              <a:rPr lang="ko-KR" altLang="en-US" sz="1600" b="1" dirty="0" smtClean="0">
+                <a:solidFill>
+                  <a:schemeClr val="accent6">
+                    <a:lumMod val="60000"/>
+                    <a:lumOff val="40000"/>
+                  </a:schemeClr>
+                </a:solidFill>
+              </a:rPr>
+              <a:t>생성</a:t>
+            </a:r>
+            <a:endParaRPr lang="ko-KR" altLang="en-US" sz="1600" b="1" dirty="0">
+              <a:solidFill>
+                <a:schemeClr val="accent6">
+                  <a:lumMod val="60000"/>
+                  <a:lumOff val="40000"/>
+                </a:schemeClr>
+              </a:solidFill>
+            </a:endParaRPr>
+          </a:p>
+        </p:txBody>
+      </p:sp>
+      <p:sp>
+        <p:nvSpPr>
+          <p:cNvPr id="8" name="제목 5"/>
+          <p:cNvSpPr txBox="1">
+            <a:spLocks/>
+          </p:cNvSpPr>
+          <p:nvPr/>
+        </p:nvSpPr>
+        <p:spPr bwMode="gray">
+          <a:xfrm>
+            <a:off x="8158939" y="2513724"/>
+            <a:ext cx="2801830" cy="330561"/>
+          </a:xfrm>
+          <a:prstGeom prst="rect">
+            <a:avLst/>
+          </a:prstGeom>
+        </p:spPr>
+        <p:txBody>
+          <a:bodyPr vert="horz" lIns="91440" tIns="45720" rIns="91440" bIns="45720" rtlCol="0" anchor="b">
+            <a:noAutofit/>
+          </a:bodyPr>
+          <a:lstStyle>
+            <a:lvl1pPr algn="l" defTabSz="457200" rtl="0" eaLnBrk="1" latinLnBrk="1" hangingPunct="1">
+              <a:spcBef>
+                <a:spcPct val="0"/>
+              </a:spcBef>
+              <a:buNone/>
+              <a:defRPr sz="5400" b="0" i="0" kern="1200">
+                <a:solidFill>
+                  <a:schemeClr val="bg2"/>
+                </a:solidFill>
+                <a:latin typeface="+mj-lt"/>
+                <a:ea typeface="+mj-ea"/>
+                <a:cs typeface="+mj-cs"/>
+              </a:defRPr>
+            </a:lvl1pPr>
+            <a:lvl2pPr eaLnBrk="1" latinLnBrk="1" hangingPunct="1">
+              <a:defRPr>
+                <a:solidFill>
+                  <a:schemeClr val="tx2"/>
+                </a:solidFill>
+              </a:defRPr>
+            </a:lvl2pPr>
+            <a:lvl3pPr eaLnBrk="1" latinLnBrk="1" hangingPunct="1">
+              <a:defRPr>
+                <a:solidFill>
+                  <a:schemeClr val="tx2"/>
+                </a:solidFill>
+              </a:defRPr>
+            </a:lvl3pPr>
+            <a:lvl4pPr eaLnBrk="1" latinLnBrk="1" hangingPunct="1">
+              <a:defRPr>
+                <a:solidFill>
+                  <a:schemeClr val="tx2"/>
+                </a:solidFill>
+              </a:defRPr>
+            </a:lvl4pPr>
+            <a:lvl5pPr eaLnBrk="1" latinLnBrk="1" hangingPunct="1">
+              <a:defRPr>
+                <a:solidFill>
+                  <a:schemeClr val="tx2"/>
+                </a:solidFill>
+              </a:defRPr>
+            </a:lvl5pPr>
+            <a:lvl6pPr eaLnBrk="1" latinLnBrk="1" hangingPunct="1">
+              <a:defRPr>
+                <a:solidFill>
+                  <a:schemeClr val="tx2"/>
+                </a:solidFill>
+              </a:defRPr>
+            </a:lvl6pPr>
+            <a:lvl7pPr eaLnBrk="1" latinLnBrk="1" hangingPunct="1">
+              <a:defRPr>
+                <a:solidFill>
+                  <a:schemeClr val="tx2"/>
+                </a:solidFill>
+              </a:defRPr>
+            </a:lvl7pPr>
+            <a:lvl8pPr eaLnBrk="1" latinLnBrk="1" hangingPunct="1">
+              <a:defRPr>
+                <a:solidFill>
+                  <a:schemeClr val="tx2"/>
+                </a:solidFill>
+              </a:defRPr>
+            </a:lvl8pPr>
+            <a:lvl9pPr eaLnBrk="1" latinLnBrk="1" hangingPunct="1">
+              <a:defRPr>
+                <a:solidFill>
+                  <a:schemeClr val="tx2"/>
+                </a:solidFill>
+              </a:defRPr>
+            </a:lvl9pPr>
+          </a:lstStyle>
+          <a:p>
+            <a:r>
+              <a:rPr lang="ko-KR" altLang="en-US" sz="1600" b="1" dirty="0" smtClean="0">
+                <a:solidFill>
+                  <a:schemeClr val="accent6">
+                    <a:lumMod val="60000"/>
+                    <a:lumOff val="40000"/>
+                  </a:schemeClr>
+                </a:solidFill>
+              </a:rPr>
+              <a:t> </a:t>
+            </a:r>
+            <a:r>
+              <a:rPr lang="en-US" altLang="ko-KR" sz="1600" b="1" dirty="0" smtClean="0">
+                <a:solidFill>
+                  <a:schemeClr val="accent6">
+                    <a:lumMod val="60000"/>
+                    <a:lumOff val="40000"/>
+                  </a:schemeClr>
+                </a:solidFill>
+              </a:rPr>
+              <a:t>- </a:t>
+            </a:r>
+            <a:r>
+              <a:rPr lang="en-US" altLang="ko-KR" sz="1600" b="1" dirty="0" err="1" smtClean="0">
+                <a:solidFill>
+                  <a:schemeClr val="accent6">
+                    <a:lumMod val="60000"/>
+                    <a:lumOff val="40000"/>
+                  </a:schemeClr>
+                </a:solidFill>
+              </a:rPr>
+              <a:t>ItemVO</a:t>
+            </a:r>
+            <a:r>
+              <a:rPr lang="ko-KR" altLang="en-US" sz="1600" b="1" dirty="0" smtClean="0">
+                <a:solidFill>
+                  <a:schemeClr val="accent6">
+                    <a:lumMod val="60000"/>
+                    <a:lumOff val="40000"/>
+                  </a:schemeClr>
+                </a:solidFill>
+              </a:rPr>
+              <a:t>생성</a:t>
+            </a:r>
+            <a:endParaRPr lang="ko-KR" altLang="en-US" sz="1600" b="1" dirty="0">
+              <a:solidFill>
+                <a:schemeClr val="accent6">
+                  <a:lumMod val="60000"/>
+                  <a:lumOff val="40000"/>
+                </a:schemeClr>
+              </a:solidFill>
+            </a:endParaRPr>
+          </a:p>
+        </p:txBody>
+      </p:sp>
+      <p:sp>
+        <p:nvSpPr>
+          <p:cNvPr id="9" name="제목 5"/>
+          <p:cNvSpPr txBox="1">
+            <a:spLocks/>
+          </p:cNvSpPr>
+          <p:nvPr/>
+        </p:nvSpPr>
+        <p:spPr bwMode="gray">
+          <a:xfrm>
+            <a:off x="8158939" y="2943073"/>
+            <a:ext cx="2801830" cy="330561"/>
+          </a:xfrm>
+          <a:prstGeom prst="rect">
+            <a:avLst/>
+          </a:prstGeom>
+        </p:spPr>
+        <p:txBody>
+          <a:bodyPr vert="horz" lIns="91440" tIns="45720" rIns="91440" bIns="45720" rtlCol="0" anchor="b">
+            <a:noAutofit/>
+          </a:bodyPr>
+          <a:lstStyle>
+            <a:lvl1pPr algn="l" defTabSz="457200" rtl="0" eaLnBrk="1" latinLnBrk="1" hangingPunct="1">
+              <a:spcBef>
+                <a:spcPct val="0"/>
+              </a:spcBef>
+              <a:buNone/>
+              <a:defRPr sz="5400" b="0" i="0" kern="1200">
+                <a:solidFill>
+                  <a:schemeClr val="bg2"/>
+                </a:solidFill>
+                <a:latin typeface="+mj-lt"/>
+                <a:ea typeface="+mj-ea"/>
+                <a:cs typeface="+mj-cs"/>
+              </a:defRPr>
+            </a:lvl1pPr>
+            <a:lvl2pPr eaLnBrk="1" latinLnBrk="1" hangingPunct="1">
+              <a:defRPr>
+                <a:solidFill>
+                  <a:schemeClr val="tx2"/>
+                </a:solidFill>
+              </a:defRPr>
+            </a:lvl2pPr>
+            <a:lvl3pPr eaLnBrk="1" latinLnBrk="1" hangingPunct="1">
+              <a:defRPr>
+                <a:solidFill>
+                  <a:schemeClr val="tx2"/>
+                </a:solidFill>
+              </a:defRPr>
+            </a:lvl3pPr>
+            <a:lvl4pPr eaLnBrk="1" latinLnBrk="1" hangingPunct="1">
+              <a:defRPr>
+                <a:solidFill>
+                  <a:schemeClr val="tx2"/>
+                </a:solidFill>
+              </a:defRPr>
+            </a:lvl4pPr>
+            <a:lvl5pPr eaLnBrk="1" latinLnBrk="1" hangingPunct="1">
+              <a:defRPr>
+                <a:solidFill>
+                  <a:schemeClr val="tx2"/>
+                </a:solidFill>
+              </a:defRPr>
+            </a:lvl5pPr>
+            <a:lvl6pPr eaLnBrk="1" latinLnBrk="1" hangingPunct="1">
+              <a:defRPr>
+                <a:solidFill>
+                  <a:schemeClr val="tx2"/>
+                </a:solidFill>
+              </a:defRPr>
+            </a:lvl6pPr>
+            <a:lvl7pPr eaLnBrk="1" latinLnBrk="1" hangingPunct="1">
+              <a:defRPr>
+                <a:solidFill>
+                  <a:schemeClr val="tx2"/>
+                </a:solidFill>
+              </a:defRPr>
+            </a:lvl7pPr>
+            <a:lvl8pPr eaLnBrk="1" latinLnBrk="1" hangingPunct="1">
+              <a:defRPr>
+                <a:solidFill>
+                  <a:schemeClr val="tx2"/>
+                </a:solidFill>
+              </a:defRPr>
+            </a:lvl8pPr>
+            <a:lvl9pPr eaLnBrk="1" latinLnBrk="1" hangingPunct="1">
+              <a:defRPr>
+                <a:solidFill>
+                  <a:schemeClr val="tx2"/>
+                </a:solidFill>
+              </a:defRPr>
+            </a:lvl9pPr>
+          </a:lstStyle>
+          <a:p>
+            <a:r>
+              <a:rPr lang="ko-KR" altLang="en-US" sz="1600" b="1" dirty="0" smtClean="0">
+                <a:solidFill>
+                  <a:schemeClr val="accent6">
+                    <a:lumMod val="60000"/>
+                    <a:lumOff val="40000"/>
+                  </a:schemeClr>
+                </a:solidFill>
+              </a:rPr>
+              <a:t> </a:t>
+            </a:r>
+            <a:r>
+              <a:rPr lang="en-US" altLang="ko-KR" sz="1600" b="1" dirty="0" smtClean="0">
+                <a:solidFill>
+                  <a:schemeClr val="accent6">
+                    <a:lumMod val="60000"/>
+                    <a:lumOff val="40000"/>
+                  </a:schemeClr>
+                </a:solidFill>
+              </a:rPr>
+              <a:t>- </a:t>
+            </a:r>
+            <a:r>
+              <a:rPr lang="en-US" altLang="ko-KR" sz="1600" b="1" dirty="0" err="1" smtClean="0">
+                <a:solidFill>
+                  <a:schemeClr val="accent6">
+                    <a:lumMod val="60000"/>
+                    <a:lumOff val="40000"/>
+                  </a:schemeClr>
+                </a:solidFill>
+              </a:rPr>
+              <a:t>ResultVO</a:t>
+            </a:r>
+            <a:r>
+              <a:rPr lang="en-US" altLang="ko-KR" sz="1600" b="1" dirty="0" smtClean="0">
+                <a:solidFill>
+                  <a:schemeClr val="accent6">
+                    <a:lumMod val="60000"/>
+                    <a:lumOff val="40000"/>
+                  </a:schemeClr>
+                </a:solidFill>
+              </a:rPr>
+              <a:t> </a:t>
+            </a:r>
+            <a:r>
+              <a:rPr lang="ko-KR" altLang="en-US" sz="1600" b="1" dirty="0" smtClean="0">
+                <a:solidFill>
+                  <a:schemeClr val="accent6">
+                    <a:lumMod val="60000"/>
+                    <a:lumOff val="40000"/>
+                  </a:schemeClr>
+                </a:solidFill>
+              </a:rPr>
+              <a:t>생성</a:t>
+            </a:r>
+            <a:endParaRPr lang="ko-KR" altLang="en-US" sz="1600" b="1" dirty="0">
+              <a:solidFill>
+                <a:schemeClr val="accent6">
+                  <a:lumMod val="60000"/>
+                  <a:lumOff val="40000"/>
+                </a:schemeClr>
+              </a:solidFill>
+            </a:endParaRPr>
+          </a:p>
+        </p:txBody>
+      </p:sp>
+      <p:sp>
+        <p:nvSpPr>
+          <p:cNvPr id="10" name="제목 5"/>
+          <p:cNvSpPr txBox="1">
+            <a:spLocks/>
+          </p:cNvSpPr>
+          <p:nvPr/>
+        </p:nvSpPr>
+        <p:spPr bwMode="gray">
+          <a:xfrm>
+            <a:off x="8158939" y="3372422"/>
+            <a:ext cx="2801830" cy="330561"/>
+          </a:xfrm>
+          <a:prstGeom prst="rect">
+            <a:avLst/>
+          </a:prstGeom>
+        </p:spPr>
+        <p:txBody>
+          <a:bodyPr vert="horz" lIns="91440" tIns="45720" rIns="91440" bIns="45720" rtlCol="0" anchor="b">
+            <a:noAutofit/>
+          </a:bodyPr>
+          <a:lstStyle>
+            <a:lvl1pPr algn="l" defTabSz="457200" rtl="0" eaLnBrk="1" latinLnBrk="1" hangingPunct="1">
+              <a:spcBef>
+                <a:spcPct val="0"/>
+              </a:spcBef>
+              <a:buNone/>
+              <a:defRPr sz="5400" b="0" i="0" kern="1200">
+                <a:solidFill>
+                  <a:schemeClr val="bg2"/>
+                </a:solidFill>
+                <a:latin typeface="+mj-lt"/>
+                <a:ea typeface="+mj-ea"/>
+                <a:cs typeface="+mj-cs"/>
+              </a:defRPr>
+            </a:lvl1pPr>
+            <a:lvl2pPr eaLnBrk="1" latinLnBrk="1" hangingPunct="1">
+              <a:defRPr>
+                <a:solidFill>
+                  <a:schemeClr val="tx2"/>
+                </a:solidFill>
+              </a:defRPr>
+            </a:lvl2pPr>
+            <a:lvl3pPr eaLnBrk="1" latinLnBrk="1" hangingPunct="1">
+              <a:defRPr>
+                <a:solidFill>
+                  <a:schemeClr val="tx2"/>
+                </a:solidFill>
+              </a:defRPr>
+            </a:lvl3pPr>
+            <a:lvl4pPr eaLnBrk="1" latinLnBrk="1" hangingPunct="1">
+              <a:defRPr>
+                <a:solidFill>
+                  <a:schemeClr val="tx2"/>
+                </a:solidFill>
+              </a:defRPr>
+            </a:lvl4pPr>
+            <a:lvl5pPr eaLnBrk="1" latinLnBrk="1" hangingPunct="1">
+              <a:defRPr>
+                <a:solidFill>
+                  <a:schemeClr val="tx2"/>
+                </a:solidFill>
+              </a:defRPr>
+            </a:lvl5pPr>
+            <a:lvl6pPr eaLnBrk="1" latinLnBrk="1" hangingPunct="1">
+              <a:defRPr>
+                <a:solidFill>
+                  <a:schemeClr val="tx2"/>
+                </a:solidFill>
+              </a:defRPr>
+            </a:lvl6pPr>
+            <a:lvl7pPr eaLnBrk="1" latinLnBrk="1" hangingPunct="1">
+              <a:defRPr>
+                <a:solidFill>
+                  <a:schemeClr val="tx2"/>
+                </a:solidFill>
+              </a:defRPr>
+            </a:lvl7pPr>
+            <a:lvl8pPr eaLnBrk="1" latinLnBrk="1" hangingPunct="1">
+              <a:defRPr>
+                <a:solidFill>
+                  <a:schemeClr val="tx2"/>
+                </a:solidFill>
+              </a:defRPr>
+            </a:lvl8pPr>
+            <a:lvl9pPr eaLnBrk="1" latinLnBrk="1" hangingPunct="1">
+              <a:defRPr>
+                <a:solidFill>
+                  <a:schemeClr val="tx2"/>
+                </a:solidFill>
+              </a:defRPr>
+            </a:lvl9pPr>
+          </a:lstStyle>
+          <a:p>
+            <a:r>
+              <a:rPr lang="ko-KR" altLang="en-US" sz="1600" b="1" dirty="0" smtClean="0">
+                <a:solidFill>
+                  <a:schemeClr val="accent6">
+                    <a:lumMod val="60000"/>
+                    <a:lumOff val="40000"/>
+                  </a:schemeClr>
+                </a:solidFill>
+              </a:rPr>
+              <a:t> </a:t>
+            </a:r>
+            <a:r>
+              <a:rPr lang="en-US" altLang="ko-KR" sz="1600" b="1" dirty="0" smtClean="0">
+                <a:solidFill>
+                  <a:schemeClr val="accent6">
+                    <a:lumMod val="60000"/>
+                    <a:lumOff val="40000"/>
+                  </a:schemeClr>
+                </a:solidFill>
+              </a:rPr>
+              <a:t>- index</a:t>
+            </a:r>
+            <a:r>
+              <a:rPr lang="ko-KR" altLang="en-US" sz="1600" b="1" dirty="0" smtClean="0">
+                <a:solidFill>
+                  <a:schemeClr val="accent6">
+                    <a:lumMod val="60000"/>
+                    <a:lumOff val="40000"/>
+                  </a:schemeClr>
+                </a:solidFill>
+              </a:rPr>
+              <a:t>생성</a:t>
+            </a:r>
+            <a:endParaRPr lang="ko-KR" altLang="en-US" sz="1600" b="1" dirty="0">
               <a:solidFill>
                 <a:schemeClr val="accent6">
                   <a:lumMod val="60000"/>
@@ -17171,7 +18276,7 @@
     </p:spTree>
     <p:extLst>
       <p:ext uri="{BB962C8B-B14F-4D97-AF65-F5344CB8AC3E}">
-        <p14:creationId xmlns:p14="http://schemas.microsoft.com/office/powerpoint/2010/main" val="3111855299"/>
+        <p14:creationId xmlns:p14="http://schemas.microsoft.com/office/powerpoint/2010/main" val="1367446241"/>
       </p:ext>
     </p:extLst>
   </p:cSld>
